--- a/מערכת תיאום שירותי בייביסיטר -מצגת.pptx
+++ b/מערכת תיאום שירותי בייביסיטר -מצגת.pptx
@@ -5,7 +5,7 @@
     <p:sldMasterId id="2147483780" r:id="rId1"/>
   </p:sldMasterIdLst>
   <p:notesMasterIdLst>
-    <p:notesMasterId r:id="rId16"/>
+    <p:notesMasterId r:id="rId15"/>
   </p:notesMasterIdLst>
   <p:sldIdLst>
     <p:sldId id="256" r:id="rId2"/>
@@ -15,13 +15,12 @@
     <p:sldId id="259" r:id="rId6"/>
     <p:sldId id="264" r:id="rId7"/>
     <p:sldId id="266" r:id="rId8"/>
-    <p:sldId id="267" r:id="rId9"/>
-    <p:sldId id="269" r:id="rId10"/>
-    <p:sldId id="270" r:id="rId11"/>
-    <p:sldId id="273" r:id="rId12"/>
-    <p:sldId id="274" r:id="rId13"/>
-    <p:sldId id="275" r:id="rId14"/>
-    <p:sldId id="277" r:id="rId15"/>
+    <p:sldId id="269" r:id="rId9"/>
+    <p:sldId id="270" r:id="rId10"/>
+    <p:sldId id="273" r:id="rId11"/>
+    <p:sldId id="274" r:id="rId12"/>
+    <p:sldId id="275" r:id="rId13"/>
+    <p:sldId id="277" r:id="rId14"/>
   </p:sldIdLst>
   <p:sldSz cx="12192000" cy="6858000"/>
   <p:notesSz cx="6858000" cy="9144000"/>
@@ -210,7 +209,7 @@
           <a:p>
             <a:fld id="{CC79D6E7-1499-41AA-9BB1-1F75ED3A8A02}" type="datetimeFigureOut">
               <a:rPr lang="he-IL" smtClean="0"/>
-              <a:t>ט'/שבט/תשע"ח</a:t>
+              <a:t>ט"ז/שבט/תשע"ח</a:t>
             </a:fld>
             <a:endParaRPr lang="he-IL"/>
           </a:p>
@@ -703,7 +702,7 @@
           <a:p>
             <a:fld id="{7973E6AC-E112-49B7-B958-EFDDF8A46471}" type="datetime1">
               <a:rPr lang="en-US" smtClean="0"/>
-              <a:t>1/25/2018</a:t>
+              <a:t>2/1/2018</a:t>
             </a:fld>
             <a:endParaRPr lang="en-US"/>
           </a:p>
@@ -915,7 +914,7 @@
           <a:p>
             <a:fld id="{CFADE7DC-43D5-4DC1-AC74-FFF97E78EB8D}" type="datetime1">
               <a:rPr lang="en-US" smtClean="0"/>
-              <a:t>1/25/2018</a:t>
+              <a:t>2/1/2018</a:t>
             </a:fld>
             <a:endParaRPr lang="en-US"/>
           </a:p>
@@ -1175,7 +1174,7 @@
           <a:p>
             <a:fld id="{7D07DEBB-4CBF-47A4-913F-86A17AFEB23B}" type="datetime1">
               <a:rPr lang="en-US" smtClean="0"/>
-              <a:t>1/25/2018</a:t>
+              <a:t>2/1/2018</a:t>
             </a:fld>
             <a:endParaRPr lang="en-US"/>
           </a:p>
@@ -1349,7 +1348,7 @@
           <a:p>
             <a:fld id="{B56A8EAE-C9D5-40A6-AFC3-E9515FA3E8E6}" type="datetime1">
               <a:rPr lang="en-US" smtClean="0"/>
-              <a:t>1/25/2018</a:t>
+              <a:t>2/1/2018</a:t>
             </a:fld>
             <a:endParaRPr lang="en-US"/>
           </a:p>
@@ -1696,7 +1695,7 @@
           <a:p>
             <a:fld id="{E568CDC3-525C-43DE-B2A4-69DEF46017CB}" type="datetime1">
               <a:rPr lang="en-US" smtClean="0"/>
-              <a:t>1/25/2018</a:t>
+              <a:t>2/1/2018</a:t>
             </a:fld>
             <a:endParaRPr lang="en-US"/>
           </a:p>
@@ -1975,7 +1974,7 @@
           <a:p>
             <a:fld id="{DC55898F-FB0F-4C3F-82C3-B3284AA923FF}" type="datetime1">
               <a:rPr lang="en-US" smtClean="0"/>
-              <a:t>1/25/2018</a:t>
+              <a:t>2/1/2018</a:t>
             </a:fld>
             <a:endParaRPr lang="en-US"/>
           </a:p>
@@ -2358,7 +2357,7 @@
           <a:p>
             <a:fld id="{E86CC0F6-4505-49DE-B36B-23C2D1915F58}" type="datetime1">
               <a:rPr lang="en-US" smtClean="0"/>
-              <a:t>1/25/2018</a:t>
+              <a:t>2/1/2018</a:t>
             </a:fld>
             <a:endParaRPr lang="en-US"/>
           </a:p>
@@ -2480,7 +2479,7 @@
           <a:p>
             <a:fld id="{56C6767B-1D5F-41E8-929A-9ABB9842B834}" type="datetime1">
               <a:rPr lang="en-US" smtClean="0"/>
-              <a:t>1/25/2018</a:t>
+              <a:t>2/1/2018</a:t>
             </a:fld>
             <a:endParaRPr lang="en-US"/>
           </a:p>
@@ -2655,7 +2654,7 @@
           <a:p>
             <a:fld id="{23BF31FF-A15F-4A18-A815-5CDB7B471984}" type="datetime1">
               <a:rPr lang="en-US" smtClean="0"/>
-              <a:t>1/25/2018</a:t>
+              <a:t>2/1/2018</a:t>
             </a:fld>
             <a:endParaRPr lang="en-US"/>
           </a:p>
@@ -3013,7 +3012,7 @@
           <a:p>
             <a:fld id="{C44F428B-24B1-41CA-8379-49449A33C864}" type="datetime1">
               <a:rPr lang="en-US" smtClean="0"/>
-              <a:t>1/25/2018</a:t>
+              <a:t>2/1/2018</a:t>
             </a:fld>
             <a:endParaRPr lang="en-US"/>
           </a:p>
@@ -3394,7 +3393,7 @@
           <a:p>
             <a:fld id="{29893281-502A-4FFE-96FB-BDEBED902033}" type="datetime1">
               <a:rPr lang="en-US" smtClean="0"/>
-              <a:t>1/25/2018</a:t>
+              <a:t>2/1/2018</a:t>
             </a:fld>
             <a:endParaRPr lang="en-US"/>
           </a:p>
@@ -3685,7 +3684,7 @@
           <a:p>
             <a:fld id="{CDE90B19-71FB-4F76-9D52-E520FF701ACD}" type="datetime1">
               <a:rPr lang="en-US" smtClean="0"/>
-              <a:t>1/25/2018</a:t>
+              <a:t>2/1/2018</a:t>
             </a:fld>
             <a:endParaRPr lang="en-US"/>
           </a:p>
@@ -4638,7 +4637,7 @@
                   <a:spcPts val="600"/>
                 </a:spcAft>
               </a:pPr>
-              <a:t>1/25/2018</a:t>
+              <a:t>2/1/2018</a:t>
             </a:fld>
             <a:endParaRPr lang="en-US">
               <a:latin typeface="David" panose="020E0502060401010101" pitchFamily="34" charset="-79"/>
@@ -4797,434 +4796,6 @@
         </p:nvSpPr>
         <p:spPr>
           <a:xfrm>
-            <a:off x="819397" y="286603"/>
-            <a:ext cx="10336283" cy="1559131"/>
-          </a:xfrm>
-        </p:spPr>
-        <p:txBody>
-          <a:bodyPr>
-            <a:normAutofit/>
-          </a:bodyPr>
-          <a:lstStyle/>
-          <a:p>
-            <a:pPr algn="r"/>
-            <a:r>
-              <a:rPr lang="en-US" b="1" dirty="0">
-                <a:solidFill>
-                  <a:schemeClr val="tx2">
-                    <a:lumMod val="50000"/>
-                  </a:schemeClr>
-                </a:solidFill>
-                <a:latin typeface="David" panose="020E0502060401010101" pitchFamily="34" charset="-79"/>
-                <a:cs typeface="David" panose="020E0502060401010101" pitchFamily="34" charset="-79"/>
-              </a:rPr>
-              <a:t>Use Case</a:t>
-            </a:r>
-            <a:r>
-              <a:rPr lang="he-IL" b="1" dirty="0">
-                <a:solidFill>
-                  <a:schemeClr val="tx2">
-                    <a:lumMod val="50000"/>
-                  </a:schemeClr>
-                </a:solidFill>
-                <a:latin typeface="David" panose="020E0502060401010101" pitchFamily="34" charset="-79"/>
-                <a:cs typeface="David" panose="020E0502060401010101" pitchFamily="34" charset="-79"/>
-              </a:rPr>
-              <a:t> </a:t>
-            </a:r>
-            <a:r>
-              <a:rPr lang="en-US" b="1" dirty="0">
-                <a:solidFill>
-                  <a:schemeClr val="tx2">
-                    <a:lumMod val="50000"/>
-                  </a:schemeClr>
-                </a:solidFill>
-                <a:latin typeface="David" panose="020E0502060401010101" pitchFamily="34" charset="-79"/>
-                <a:cs typeface="David" panose="020E0502060401010101" pitchFamily="34" charset="-79"/>
-              </a:rPr>
-              <a:t> </a:t>
-            </a:r>
-            <a:r>
-              <a:rPr lang="he-IL" b="1" dirty="0">
-                <a:solidFill>
-                  <a:schemeClr val="tx2">
-                    <a:lumMod val="50000"/>
-                  </a:schemeClr>
-                </a:solidFill>
-                <a:latin typeface="David" panose="020E0502060401010101" pitchFamily="34" charset="-79"/>
-                <a:cs typeface="David" panose="020E0502060401010101" pitchFamily="34" charset="-79"/>
-              </a:rPr>
-              <a:t>לדוגמא -</a:t>
-            </a:r>
-            <a:r>
-              <a:rPr lang="en-US" b="1" dirty="0">
-                <a:solidFill>
-                  <a:schemeClr val="tx2">
-                    <a:lumMod val="50000"/>
-                  </a:schemeClr>
-                </a:solidFill>
-                <a:latin typeface="David" panose="020E0502060401010101" pitchFamily="34" charset="-79"/>
-                <a:cs typeface="David" panose="020E0502060401010101" pitchFamily="34" charset="-79"/>
-              </a:rPr>
-              <a:t> </a:t>
-            </a:r>
-            <a:r>
-              <a:rPr lang="he-IL" b="1" dirty="0">
-                <a:solidFill>
-                  <a:schemeClr val="tx2">
-                    <a:lumMod val="50000"/>
-                  </a:schemeClr>
-                </a:solidFill>
-                <a:latin typeface="David" panose="020E0502060401010101" pitchFamily="34" charset="-79"/>
-                <a:cs typeface="David" panose="020E0502060401010101" pitchFamily="34" charset="-79"/>
-              </a:rPr>
-              <a:t>בצע חיפוש מודעות (2.2)</a:t>
-            </a:r>
-            <a:endParaRPr lang="en-US" b="1" dirty="0">
-              <a:solidFill>
-                <a:schemeClr val="tx2">
-                  <a:lumMod val="50000"/>
-                </a:schemeClr>
-              </a:solidFill>
-              <a:latin typeface="David" panose="020E0502060401010101" pitchFamily="34" charset="-79"/>
-              <a:cs typeface="David" panose="020E0502060401010101" pitchFamily="34" charset="-79"/>
-            </a:endParaRPr>
-          </a:p>
-        </p:txBody>
-      </p:sp>
-      <p:sp>
-        <p:nvSpPr>
-          <p:cNvPr id="3" name="Content Placeholder 2"/>
-          <p:cNvSpPr>
-            <a:spLocks noGrp="1"/>
-          </p:cNvSpPr>
-          <p:nvPr>
-            <p:ph idx="1"/>
-          </p:nvPr>
-        </p:nvSpPr>
-        <p:spPr>
-          <a:xfrm>
-            <a:off x="522514" y="1845734"/>
-            <a:ext cx="10633165" cy="4258183"/>
-          </a:xfrm>
-        </p:spPr>
-        <p:txBody>
-          <a:bodyPr>
-            <a:noAutofit/>
-          </a:bodyPr>
-          <a:lstStyle/>
-          <a:p>
-            <a:pPr>
-              <a:lnSpc>
-                <a:spcPct val="100000"/>
-              </a:lnSpc>
-            </a:pPr>
-            <a:r>
-              <a:rPr lang="he-IL" sz="1800" b="1" dirty="0">
-                <a:solidFill>
-                  <a:schemeClr val="tx1"/>
-                </a:solidFill>
-                <a:latin typeface="David" panose="020E0502060401010101" pitchFamily="34" charset="-79"/>
-                <a:cs typeface="David" panose="020E0502060401010101" pitchFamily="34" charset="-79"/>
-              </a:rPr>
-              <a:t>שחקנים</a:t>
-            </a:r>
-            <a:r>
-              <a:rPr lang="he-IL" sz="1800" dirty="0">
-                <a:solidFill>
-                  <a:schemeClr val="tx1"/>
-                </a:solidFill>
-                <a:latin typeface="David" panose="020E0502060401010101" pitchFamily="34" charset="-79"/>
-                <a:cs typeface="David" panose="020E0502060401010101" pitchFamily="34" charset="-79"/>
-              </a:rPr>
-              <a:t>: הורים, </a:t>
-            </a:r>
-            <a:r>
-              <a:rPr lang="he-IL" sz="1800" dirty="0" err="1">
-                <a:solidFill>
-                  <a:schemeClr val="tx1"/>
-                </a:solidFill>
-                <a:latin typeface="David" panose="020E0502060401010101" pitchFamily="34" charset="-79"/>
-                <a:cs typeface="David" panose="020E0502060401010101" pitchFamily="34" charset="-79"/>
-              </a:rPr>
-              <a:t>בייביסיטרים</a:t>
-            </a:r>
-            <a:r>
-              <a:rPr lang="he-IL" sz="1800" dirty="0">
-                <a:solidFill>
-                  <a:schemeClr val="tx1"/>
-                </a:solidFill>
-                <a:latin typeface="David" panose="020E0502060401010101" pitchFamily="34" charset="-79"/>
-                <a:cs typeface="David" panose="020E0502060401010101" pitchFamily="34" charset="-79"/>
-              </a:rPr>
-              <a:t>, מערכת. </a:t>
-            </a:r>
-            <a:r>
-              <a:rPr lang="en-US" sz="1800" b="1" dirty="0">
-                <a:solidFill>
-                  <a:schemeClr val="tx1"/>
-                </a:solidFill>
-                <a:latin typeface="David" panose="020E0502060401010101" pitchFamily="34" charset="-79"/>
-                <a:cs typeface="David" panose="020E0502060401010101" pitchFamily="34" charset="-79"/>
-              </a:rPr>
-              <a:t>Trigger</a:t>
-            </a:r>
-            <a:r>
-              <a:rPr lang="he-IL" sz="1800" dirty="0">
-                <a:solidFill>
-                  <a:schemeClr val="tx1"/>
-                </a:solidFill>
-                <a:latin typeface="David" panose="020E0502060401010101" pitchFamily="34" charset="-79"/>
-                <a:cs typeface="David" panose="020E0502060401010101" pitchFamily="34" charset="-79"/>
-              </a:rPr>
-              <a:t>: הורים מעוניינים למצוא בייביסיטר על פי המודעות המפורסמות באתר.</a:t>
-            </a:r>
-            <a:r>
-              <a:rPr lang="en-US" sz="1800" dirty="0">
-                <a:solidFill>
-                  <a:schemeClr val="tx1"/>
-                </a:solidFill>
-                <a:latin typeface="David" panose="020E0502060401010101" pitchFamily="34" charset="-79"/>
-                <a:cs typeface="David" panose="020E0502060401010101" pitchFamily="34" charset="-79"/>
-              </a:rPr>
-              <a:t/>
-            </a:r>
-            <a:br>
-              <a:rPr lang="en-US" sz="1800" dirty="0">
-                <a:solidFill>
-                  <a:schemeClr val="tx1"/>
-                </a:solidFill>
-                <a:latin typeface="David" panose="020E0502060401010101" pitchFamily="34" charset="-79"/>
-                <a:cs typeface="David" panose="020E0502060401010101" pitchFamily="34" charset="-79"/>
-              </a:rPr>
-            </a:br>
-            <a:r>
-              <a:rPr lang="he-IL" sz="1800" b="1" dirty="0">
-                <a:solidFill>
-                  <a:schemeClr val="tx1"/>
-                </a:solidFill>
-                <a:latin typeface="David" panose="020E0502060401010101" pitchFamily="34" charset="-79"/>
-                <a:cs typeface="David" panose="020E0502060401010101" pitchFamily="34" charset="-79"/>
-              </a:rPr>
-              <a:t>תיאור מתומצת</a:t>
-            </a:r>
-            <a:r>
-              <a:rPr lang="he-IL" sz="1800" dirty="0">
-                <a:solidFill>
-                  <a:schemeClr val="tx1"/>
-                </a:solidFill>
-                <a:latin typeface="David" panose="020E0502060401010101" pitchFamily="34" charset="-79"/>
-                <a:cs typeface="David" panose="020E0502060401010101" pitchFamily="34" charset="-79"/>
-              </a:rPr>
-              <a:t>: אופן ביצוע חיפוש מודעה לבייביסיטר. </a:t>
-            </a:r>
-          </a:p>
-          <a:p>
-            <a:pPr>
-              <a:lnSpc>
-                <a:spcPct val="100000"/>
-              </a:lnSpc>
-            </a:pPr>
-            <a:r>
-              <a:rPr lang="he-IL" sz="1800" b="1" u="sng" dirty="0">
-                <a:solidFill>
-                  <a:schemeClr val="tx1"/>
-                </a:solidFill>
-                <a:latin typeface="David" panose="020E0502060401010101" pitchFamily="34" charset="-79"/>
-                <a:cs typeface="David" panose="020E0502060401010101" pitchFamily="34" charset="-79"/>
-              </a:rPr>
-              <a:t>מסלול בסיסי</a:t>
-            </a:r>
-            <a:r>
-              <a:rPr lang="he-IL" sz="1800" u="sng" dirty="0">
-                <a:solidFill>
-                  <a:schemeClr val="tx1"/>
-                </a:solidFill>
-                <a:latin typeface="David" panose="020E0502060401010101" pitchFamily="34" charset="-79"/>
-                <a:cs typeface="David" panose="020E0502060401010101" pitchFamily="34" charset="-79"/>
-              </a:rPr>
-              <a:t>:</a:t>
-            </a:r>
-            <a:endParaRPr lang="en-US" sz="1800" u="sng" dirty="0">
-              <a:solidFill>
-                <a:schemeClr val="tx1"/>
-              </a:solidFill>
-              <a:latin typeface="David" panose="020E0502060401010101" pitchFamily="34" charset="-79"/>
-              <a:cs typeface="David" panose="020E0502060401010101" pitchFamily="34" charset="-79"/>
-            </a:endParaRPr>
-          </a:p>
-          <a:p>
-            <a:pPr marL="457200" lvl="0" indent="-457200">
-              <a:lnSpc>
-                <a:spcPct val="100000"/>
-              </a:lnSpc>
-              <a:buFont typeface="+mj-lt"/>
-              <a:buAutoNum type="arabicPeriod"/>
-            </a:pPr>
-            <a:r>
-              <a:rPr lang="he-IL" sz="1800" dirty="0">
-                <a:solidFill>
-                  <a:schemeClr val="tx1"/>
-                </a:solidFill>
-                <a:latin typeface="David" panose="020E0502060401010101" pitchFamily="34" charset="-79"/>
-                <a:cs typeface="David" panose="020E0502060401010101" pitchFamily="34" charset="-79"/>
-              </a:rPr>
-              <a:t>ההורה יכנס למסך החיפוש באתר.</a:t>
-            </a:r>
-          </a:p>
-          <a:p>
-            <a:pPr marL="457200" lvl="0" indent="-457200">
-              <a:lnSpc>
-                <a:spcPct val="100000"/>
-              </a:lnSpc>
-              <a:buFont typeface="+mj-lt"/>
-              <a:buAutoNum type="arabicPeriod"/>
-            </a:pPr>
-            <a:r>
-              <a:rPr lang="he-IL" sz="1800" dirty="0">
-                <a:solidFill>
-                  <a:schemeClr val="tx1"/>
-                </a:solidFill>
-                <a:latin typeface="David" panose="020E0502060401010101" pitchFamily="34" charset="-79"/>
-                <a:cs typeface="David" panose="020E0502060401010101" pitchFamily="34" charset="-79"/>
-              </a:rPr>
-              <a:t>המערכת תפתח את מסך החיפוש.</a:t>
-            </a:r>
-          </a:p>
-          <a:p>
-            <a:pPr marL="457200" lvl="0" indent="-457200">
-              <a:lnSpc>
-                <a:spcPct val="100000"/>
-              </a:lnSpc>
-              <a:buFont typeface="+mj-lt"/>
-              <a:buAutoNum type="arabicPeriod"/>
-            </a:pPr>
-            <a:r>
-              <a:rPr lang="he-IL" sz="1800" dirty="0">
-                <a:solidFill>
-                  <a:schemeClr val="tx1"/>
-                </a:solidFill>
-                <a:latin typeface="David" panose="020E0502060401010101" pitchFamily="34" charset="-79"/>
-                <a:cs typeface="David" panose="020E0502060401010101" pitchFamily="34" charset="-79"/>
-              </a:rPr>
-              <a:t>ההורה יזין את הפרמטרים הרצויים.</a:t>
-            </a:r>
-          </a:p>
-          <a:p>
-            <a:pPr marL="457200" lvl="0" indent="-457200">
-              <a:lnSpc>
-                <a:spcPct val="100000"/>
-              </a:lnSpc>
-              <a:buFont typeface="+mj-lt"/>
-              <a:buAutoNum type="arabicPeriod"/>
-            </a:pPr>
-            <a:r>
-              <a:rPr lang="he-IL" sz="1800" dirty="0">
-                <a:solidFill>
-                  <a:schemeClr val="tx1"/>
-                </a:solidFill>
-                <a:latin typeface="David" panose="020E0502060401010101" pitchFamily="34" charset="-79"/>
-                <a:cs typeface="David" panose="020E0502060401010101" pitchFamily="34" charset="-79"/>
-              </a:rPr>
-              <a:t>המערכת תמצא ותציג להורה את המודעות לפי הפרמטרים שההורה סינן.</a:t>
-            </a:r>
-          </a:p>
-          <a:p>
-            <a:pPr marL="457200" lvl="0" indent="-457200">
-              <a:lnSpc>
-                <a:spcPct val="100000"/>
-              </a:lnSpc>
-              <a:buFont typeface="+mj-lt"/>
-              <a:buAutoNum type="arabicPeriod"/>
-            </a:pPr>
-            <a:r>
-              <a:rPr lang="he-IL" sz="1800" dirty="0">
-                <a:solidFill>
-                  <a:schemeClr val="tx1"/>
-                </a:solidFill>
-                <a:latin typeface="David" panose="020E0502060401010101" pitchFamily="34" charset="-79"/>
-                <a:cs typeface="David" panose="020E0502060401010101" pitchFamily="34" charset="-79"/>
-              </a:rPr>
-              <a:t>ההורה/בייביסיטר יכנס למודעה שעונה על כל הצרכים שלו או ההורה/הבייביסיטר ילחץ על כפתור "הבא" על מנת לעבור לתוצאה הבאה בחיפוש.</a:t>
-            </a:r>
-          </a:p>
-          <a:p>
-            <a:pPr marL="457200" lvl="0" indent="-457200">
-              <a:lnSpc>
-                <a:spcPct val="100000"/>
-              </a:lnSpc>
-              <a:buFont typeface="+mj-lt"/>
-              <a:buAutoNum type="arabicPeriod"/>
-            </a:pPr>
-            <a:r>
-              <a:rPr lang="he-IL" sz="1800" dirty="0">
-                <a:solidFill>
-                  <a:schemeClr val="tx1"/>
-                </a:solidFill>
-                <a:latin typeface="David" panose="020E0502060401010101" pitchFamily="34" charset="-79"/>
-                <a:cs typeface="David" panose="020E0502060401010101" pitchFamily="34" charset="-79"/>
-              </a:rPr>
-              <a:t>המערכת תציג בפני ההורה את המודעה הרלוונטית.</a:t>
-            </a:r>
-            <a:endParaRPr lang="en-US" sz="1800" dirty="0">
-              <a:solidFill>
-                <a:schemeClr val="tx1"/>
-              </a:solidFill>
-              <a:latin typeface="David" panose="020E0502060401010101" pitchFamily="34" charset="-79"/>
-              <a:cs typeface="David" panose="020E0502060401010101" pitchFamily="34" charset="-79"/>
-            </a:endParaRPr>
-          </a:p>
-        </p:txBody>
-      </p:sp>
-    </p:spTree>
-    <p:extLst>
-      <p:ext uri="{BB962C8B-B14F-4D97-AF65-F5344CB8AC3E}">
-        <p14:creationId xmlns:p14="http://schemas.microsoft.com/office/powerpoint/2010/main" val="3893590373"/>
-      </p:ext>
-    </p:extLst>
-  </p:cSld>
-  <p:clrMapOvr>
-    <a:masterClrMapping/>
-  </p:clrMapOvr>
-  <p:timing>
-    <p:tnLst>
-      <p:par>
-        <p:cTn id="1" dur="indefinite" restart="never" nodeType="tmRoot"/>
-      </p:par>
-    </p:tnLst>
-  </p:timing>
-</p:sld>
-</file>
-
-<file path=ppt/slides/slide11.xml><?xml version="1.0" encoding="utf-8"?>
-<p:sld xmlns:a="http://schemas.openxmlformats.org/drawingml/2006/main" xmlns:r="http://schemas.openxmlformats.org/officeDocument/2006/relationships" xmlns:p="http://schemas.openxmlformats.org/presentationml/2006/main">
-  <p:cSld>
-    <p:spTree>
-      <p:nvGrpSpPr>
-        <p:cNvPr id="1" name=""/>
-        <p:cNvGrpSpPr/>
-        <p:nvPr/>
-      </p:nvGrpSpPr>
-      <p:grpSpPr>
-        <a:xfrm>
-          <a:off x="0" y="0"/>
-          <a:ext cx="0" cy="0"/>
-          <a:chOff x="0" y="0"/>
-          <a:chExt cx="0" cy="0"/>
-        </a:xfrm>
-      </p:grpSpPr>
-      <p:sp>
-        <p:nvSpPr>
-          <p:cNvPr id="2" name="Title 1"/>
-          <p:cNvSpPr>
-            <a:spLocks noGrp="1"/>
-          </p:cNvSpPr>
-          <p:nvPr>
-            <p:ph type="title"/>
-          </p:nvPr>
-        </p:nvSpPr>
-        <p:spPr>
-          <a:xfrm>
             <a:off x="1097280" y="95002"/>
             <a:ext cx="10058400" cy="668581"/>
           </a:xfrm>
@@ -5304,7 +4875,7 @@
 </p:sld>
 </file>
 
-<file path=ppt/slides/slide12.xml><?xml version="1.0" encoding="utf-8"?>
+<file path=ppt/slides/slide11.xml><?xml version="1.0" encoding="utf-8"?>
 <p:sld xmlns:a="http://schemas.openxmlformats.org/drawingml/2006/main" xmlns:r="http://schemas.openxmlformats.org/officeDocument/2006/relationships" xmlns:p="http://schemas.openxmlformats.org/presentationml/2006/main">
   <p:cSld>
     <p:spTree>
@@ -6364,7 +5935,7 @@
 </p:sld>
 </file>
 
-<file path=ppt/slides/slide13.xml><?xml version="1.0" encoding="utf-8"?>
+<file path=ppt/slides/slide12.xml><?xml version="1.0" encoding="utf-8"?>
 <p:sld xmlns:a="http://schemas.openxmlformats.org/drawingml/2006/main" xmlns:r="http://schemas.openxmlformats.org/officeDocument/2006/relationships" xmlns:p="http://schemas.openxmlformats.org/presentationml/2006/main">
   <p:cSld>
     <p:spTree>
@@ -6472,7 +6043,7 @@
 </p:sld>
 </file>
 
-<file path=ppt/slides/slide14.xml><?xml version="1.0" encoding="utf-8"?>
+<file path=ppt/slides/slide13.xml><?xml version="1.0" encoding="utf-8"?>
 <p:sld xmlns:a="http://schemas.openxmlformats.org/drawingml/2006/main" xmlns:r="http://schemas.openxmlformats.org/officeDocument/2006/relationships" xmlns:p="http://schemas.openxmlformats.org/presentationml/2006/main">
   <p:cSld>
     <p:spTree>
@@ -6799,7 +6370,7 @@
                 <a:latin typeface="David" panose="020E0502060401010101" pitchFamily="34" charset="-79"/>
                 <a:cs typeface="David" panose="020E0502060401010101" pitchFamily="34" charset="-79"/>
               </a:rPr>
-              <a:t>1/25/2018</a:t>
+              <a:t>2/1/2018</a:t>
             </a:fld>
             <a:endParaRPr lang="en-US" dirty="0">
               <a:latin typeface="David" panose="020E0502060401010101" pitchFamily="34" charset="-79"/>
@@ -7311,7 +6882,7 @@
                 <a:latin typeface="David" panose="020E0502060401010101" pitchFamily="34" charset="-79"/>
                 <a:cs typeface="David" panose="020E0502060401010101" pitchFamily="34" charset="-79"/>
               </a:rPr>
-              <a:t>1/25/2018</a:t>
+              <a:t>2/1/2018</a:t>
             </a:fld>
             <a:endParaRPr lang="en-US" dirty="0">
               <a:latin typeface="David" panose="020E0502060401010101" pitchFamily="34" charset="-79"/>
@@ -7733,7 +7304,7 @@
                 <a:latin typeface="David" panose="020E0502060401010101" pitchFamily="34" charset="-79"/>
                 <a:cs typeface="David" panose="020E0502060401010101" pitchFamily="34" charset="-79"/>
               </a:rPr>
-              <a:t>1/25/2018</a:t>
+              <a:t>2/1/2018</a:t>
             </a:fld>
             <a:endParaRPr lang="en-US" dirty="0">
               <a:latin typeface="David" panose="020E0502060401010101" pitchFamily="34" charset="-79"/>
@@ -7930,7 +7501,7 @@
                 <a:latin typeface="David" panose="020E0502060401010101" pitchFamily="34" charset="-79"/>
                 <a:cs typeface="David" panose="020E0502060401010101" pitchFamily="34" charset="-79"/>
               </a:rPr>
-              <a:t>1/25/2018</a:t>
+              <a:t>2/1/2018</a:t>
             </a:fld>
             <a:endParaRPr lang="en-US" dirty="0">
               <a:latin typeface="David" panose="020E0502060401010101" pitchFamily="34" charset="-79"/>
@@ -8777,7 +8348,7 @@
                 <a:latin typeface="David" panose="020E0502060401010101" pitchFamily="34" charset="-79"/>
                 <a:cs typeface="David" panose="020E0502060401010101" pitchFamily="34" charset="-79"/>
               </a:rPr>
-              <a:t>1/25/2018</a:t>
+              <a:t>2/1/2018</a:t>
             </a:fld>
             <a:endParaRPr lang="en-US" dirty="0">
               <a:latin typeface="David" panose="020E0502060401010101" pitchFamily="34" charset="-79"/>
@@ -11038,1768 +10609,6 @@
             <p:ph idx="1"/>
             <p:extLst>
               <p:ext uri="{D42A27DB-BD31-4B8C-83A1-F6EECF244321}">
-                <p14:modId xmlns:p14="http://schemas.microsoft.com/office/powerpoint/2010/main" val="3918976483"/>
-              </p:ext>
-            </p:extLst>
-          </p:nvPr>
-        </p:nvGraphicFramePr>
-        <p:xfrm>
-          <a:off x="1096963" y="1846263"/>
-          <a:ext cx="10058400" cy="3134360"/>
-        </p:xfrm>
-        <a:graphic>
-          <a:graphicData uri="http://schemas.openxmlformats.org/drawingml/2006/table">
-            <a:tbl>
-              <a:tblPr firstRow="1" bandRow="1">
-                <a:tableStyleId>{5C22544A-7EE6-4342-B048-85BDC9FD1C3A}</a:tableStyleId>
-              </a:tblPr>
-              <a:tblGrid>
-                <a:gridCol w="5367337">
-                  <a:extLst>
-                    <a:ext uri="{9D8B030D-6E8A-4147-A177-3AD203B41FA5}">
-                      <a16:colId xmlns:a16="http://schemas.microsoft.com/office/drawing/2014/main" val="194433618"/>
-                    </a:ext>
-                  </a:extLst>
-                </a:gridCol>
-                <a:gridCol w="2400300">
-                  <a:extLst>
-                    <a:ext uri="{9D8B030D-6E8A-4147-A177-3AD203B41FA5}">
-                      <a16:colId xmlns:a16="http://schemas.microsoft.com/office/drawing/2014/main" val="2458695037"/>
-                    </a:ext>
-                  </a:extLst>
-                </a:gridCol>
-                <a:gridCol w="723900">
-                  <a:extLst>
-                    <a:ext uri="{9D8B030D-6E8A-4147-A177-3AD203B41FA5}">
-                      <a16:colId xmlns:a16="http://schemas.microsoft.com/office/drawing/2014/main" val="1752170057"/>
-                    </a:ext>
-                  </a:extLst>
-                </a:gridCol>
-                <a:gridCol w="1566863">
-                  <a:extLst>
-                    <a:ext uri="{9D8B030D-6E8A-4147-A177-3AD203B41FA5}">
-                      <a16:colId xmlns:a16="http://schemas.microsoft.com/office/drawing/2014/main" val="1180393634"/>
-                    </a:ext>
-                  </a:extLst>
-                </a:gridCol>
-              </a:tblGrid>
-              <a:tr h="370840">
-                <a:tc>
-                  <a:txBody>
-                    <a:bodyPr/>
-                    <a:lstStyle/>
-                    <a:p>
-                      <a:pPr marL="0" marR="0" lvl="0" indent="0" algn="ctr" defTabSz="914400" rtl="1" eaLnBrk="1" fontAlgn="auto" latinLnBrk="0" hangingPunct="1">
-                        <a:lnSpc>
-                          <a:spcPct val="100000"/>
-                        </a:lnSpc>
-                        <a:spcBef>
-                          <a:spcPts val="0"/>
-                        </a:spcBef>
-                        <a:spcAft>
-                          <a:spcPts val="0"/>
-                        </a:spcAft>
-                        <a:buClrTx/>
-                        <a:buSzTx/>
-                        <a:buFontTx/>
-                        <a:buNone/>
-                        <a:tabLst/>
-                        <a:defRPr/>
-                      </a:pPr>
-                      <a:r>
-                        <a:rPr lang="he-IL" dirty="0">
-                          <a:latin typeface="David" panose="020E0502060401010101" pitchFamily="34" charset="-79"/>
-                          <a:cs typeface="David" panose="020E0502060401010101" pitchFamily="34" charset="-79"/>
-                        </a:rPr>
-                        <a:t>תיאור קצר</a:t>
-                      </a:r>
-                      <a:endParaRPr lang="en-US" dirty="0">
-                        <a:latin typeface="David" panose="020E0502060401010101" pitchFamily="34" charset="-79"/>
-                        <a:cs typeface="David" panose="020E0502060401010101" pitchFamily="34" charset="-79"/>
-                      </a:endParaRPr>
-                    </a:p>
-                  </a:txBody>
-                  <a:tcPr anchor="ctr">
-                    <a:lnL w="12700" cap="flat" cmpd="sng" algn="ctr">
-                      <a:solidFill>
-                        <a:schemeClr val="tx1"/>
-                      </a:solidFill>
-                      <a:prstDash val="solid"/>
-                      <a:round/>
-                      <a:headEnd type="none" w="med" len="med"/>
-                      <a:tailEnd type="none" w="med" len="med"/>
-                    </a:lnL>
-                    <a:lnR w="12700" cap="flat" cmpd="sng" algn="ctr">
-                      <a:solidFill>
-                        <a:schemeClr val="tx1"/>
-                      </a:solidFill>
-                      <a:prstDash val="solid"/>
-                      <a:round/>
-                      <a:headEnd type="none" w="med" len="med"/>
-                      <a:tailEnd type="none" w="med" len="med"/>
-                    </a:lnR>
-                    <a:lnT w="12700" cap="flat" cmpd="sng" algn="ctr">
-                      <a:solidFill>
-                        <a:schemeClr val="tx1"/>
-                      </a:solidFill>
-                      <a:prstDash val="solid"/>
-                      <a:round/>
-                      <a:headEnd type="none" w="med" len="med"/>
-                      <a:tailEnd type="none" w="med" len="med"/>
-                    </a:lnT>
-                    <a:lnB w="12700" cap="flat" cmpd="sng" algn="ctr">
-                      <a:solidFill>
-                        <a:schemeClr val="tx1"/>
-                      </a:solidFill>
-                      <a:prstDash val="solid"/>
-                      <a:round/>
-                      <a:headEnd type="none" w="med" len="med"/>
-                      <a:tailEnd type="none" w="med" len="med"/>
-                    </a:lnB>
-                  </a:tcPr>
-                </a:tc>
-                <a:tc>
-                  <a:txBody>
-                    <a:bodyPr/>
-                    <a:lstStyle/>
-                    <a:p>
-                      <a:pPr algn="ctr"/>
-                      <a:r>
-                        <a:rPr lang="he-IL" dirty="0">
-                          <a:latin typeface="David" panose="020E0502060401010101" pitchFamily="34" charset="-79"/>
-                          <a:cs typeface="David" panose="020E0502060401010101" pitchFamily="34" charset="-79"/>
-                        </a:rPr>
-                        <a:t>שם</a:t>
-                      </a:r>
-                      <a:endParaRPr lang="en-US" dirty="0">
-                        <a:latin typeface="David" panose="020E0502060401010101" pitchFamily="34" charset="-79"/>
-                        <a:cs typeface="David" panose="020E0502060401010101" pitchFamily="34" charset="-79"/>
-                      </a:endParaRPr>
-                    </a:p>
-                  </a:txBody>
-                  <a:tcPr anchor="ctr">
-                    <a:lnL w="12700" cap="flat" cmpd="sng" algn="ctr">
-                      <a:solidFill>
-                        <a:schemeClr val="tx1"/>
-                      </a:solidFill>
-                      <a:prstDash val="solid"/>
-                      <a:round/>
-                      <a:headEnd type="none" w="med" len="med"/>
-                      <a:tailEnd type="none" w="med" len="med"/>
-                    </a:lnL>
-                    <a:lnR w="12700" cap="flat" cmpd="sng" algn="ctr">
-                      <a:solidFill>
-                        <a:schemeClr val="tx1"/>
-                      </a:solidFill>
-                      <a:prstDash val="solid"/>
-                      <a:round/>
-                      <a:headEnd type="none" w="med" len="med"/>
-                      <a:tailEnd type="none" w="med" len="med"/>
-                    </a:lnR>
-                    <a:lnT w="12700" cap="flat" cmpd="sng" algn="ctr">
-                      <a:solidFill>
-                        <a:schemeClr val="tx1"/>
-                      </a:solidFill>
-                      <a:prstDash val="solid"/>
-                      <a:round/>
-                      <a:headEnd type="none" w="med" len="med"/>
-                      <a:tailEnd type="none" w="med" len="med"/>
-                    </a:lnT>
-                    <a:lnB w="12700" cap="flat" cmpd="sng" algn="ctr">
-                      <a:solidFill>
-                        <a:schemeClr val="tx1"/>
-                      </a:solidFill>
-                      <a:prstDash val="solid"/>
-                      <a:round/>
-                      <a:headEnd type="none" w="med" len="med"/>
-                      <a:tailEnd type="none" w="med" len="med"/>
-                    </a:lnB>
-                  </a:tcPr>
-                </a:tc>
-                <a:tc>
-                  <a:txBody>
-                    <a:bodyPr/>
-                    <a:lstStyle/>
-                    <a:p>
-                      <a:pPr algn="ctr"/>
-                      <a:r>
-                        <a:rPr lang="he-IL" dirty="0">
-                          <a:latin typeface="David" panose="020E0502060401010101" pitchFamily="34" charset="-79"/>
-                          <a:cs typeface="David" panose="020E0502060401010101" pitchFamily="34" charset="-79"/>
-                        </a:rPr>
-                        <a:t>מס'</a:t>
-                      </a:r>
-                      <a:endParaRPr lang="en-US" dirty="0">
-                        <a:latin typeface="David" panose="020E0502060401010101" pitchFamily="34" charset="-79"/>
-                        <a:cs typeface="David" panose="020E0502060401010101" pitchFamily="34" charset="-79"/>
-                      </a:endParaRPr>
-                    </a:p>
-                  </a:txBody>
-                  <a:tcPr anchor="ctr">
-                    <a:lnL w="12700" cap="flat" cmpd="sng" algn="ctr">
-                      <a:solidFill>
-                        <a:schemeClr val="tx1"/>
-                      </a:solidFill>
-                      <a:prstDash val="solid"/>
-                      <a:round/>
-                      <a:headEnd type="none" w="med" len="med"/>
-                      <a:tailEnd type="none" w="med" len="med"/>
-                    </a:lnL>
-                    <a:lnR w="12700" cap="flat" cmpd="sng" algn="ctr">
-                      <a:solidFill>
-                        <a:schemeClr val="tx1"/>
-                      </a:solidFill>
-                      <a:prstDash val="solid"/>
-                      <a:round/>
-                      <a:headEnd type="none" w="med" len="med"/>
-                      <a:tailEnd type="none" w="med" len="med"/>
-                    </a:lnR>
-                    <a:lnT w="12700" cap="flat" cmpd="sng" algn="ctr">
-                      <a:solidFill>
-                        <a:schemeClr val="tx1"/>
-                      </a:solidFill>
-                      <a:prstDash val="solid"/>
-                      <a:round/>
-                      <a:headEnd type="none" w="med" len="med"/>
-                      <a:tailEnd type="none" w="med" len="med"/>
-                    </a:lnT>
-                    <a:lnB w="12700" cap="flat" cmpd="sng" algn="ctr">
-                      <a:solidFill>
-                        <a:schemeClr val="tx1"/>
-                      </a:solidFill>
-                      <a:prstDash val="solid"/>
-                      <a:round/>
-                      <a:headEnd type="none" w="med" len="med"/>
-                      <a:tailEnd type="none" w="med" len="med"/>
-                    </a:lnB>
-                  </a:tcPr>
-                </a:tc>
-                <a:tc>
-                  <a:txBody>
-                    <a:bodyPr/>
-                    <a:lstStyle/>
-                    <a:p>
-                      <a:pPr algn="ctr"/>
-                      <a:r>
-                        <a:rPr lang="he-IL" dirty="0">
-                          <a:latin typeface="David" panose="020E0502060401010101" pitchFamily="34" charset="-79"/>
-                          <a:cs typeface="David" panose="020E0502060401010101" pitchFamily="34" charset="-79"/>
-                        </a:rPr>
-                        <a:t>תת מערכת</a:t>
-                      </a:r>
-                      <a:endParaRPr lang="en-US" dirty="0">
-                        <a:latin typeface="David" panose="020E0502060401010101" pitchFamily="34" charset="-79"/>
-                        <a:cs typeface="David" panose="020E0502060401010101" pitchFamily="34" charset="-79"/>
-                      </a:endParaRPr>
-                    </a:p>
-                  </a:txBody>
-                  <a:tcPr anchor="ctr">
-                    <a:lnL w="12700" cap="flat" cmpd="sng" algn="ctr">
-                      <a:solidFill>
-                        <a:schemeClr val="tx1"/>
-                      </a:solidFill>
-                      <a:prstDash val="solid"/>
-                      <a:round/>
-                      <a:headEnd type="none" w="med" len="med"/>
-                      <a:tailEnd type="none" w="med" len="med"/>
-                    </a:lnL>
-                    <a:lnR w="12700" cap="flat" cmpd="sng" algn="ctr">
-                      <a:solidFill>
-                        <a:schemeClr val="tx1"/>
-                      </a:solidFill>
-                      <a:prstDash val="solid"/>
-                      <a:round/>
-                      <a:headEnd type="none" w="med" len="med"/>
-                      <a:tailEnd type="none" w="med" len="med"/>
-                    </a:lnR>
-                    <a:lnT w="12700" cap="flat" cmpd="sng" algn="ctr">
-                      <a:solidFill>
-                        <a:schemeClr val="tx1"/>
-                      </a:solidFill>
-                      <a:prstDash val="solid"/>
-                      <a:round/>
-                      <a:headEnd type="none" w="med" len="med"/>
-                      <a:tailEnd type="none" w="med" len="med"/>
-                    </a:lnT>
-                    <a:lnB w="12700" cap="flat" cmpd="sng" algn="ctr">
-                      <a:solidFill>
-                        <a:schemeClr val="tx1"/>
-                      </a:solidFill>
-                      <a:prstDash val="solid"/>
-                      <a:round/>
-                      <a:headEnd type="none" w="med" len="med"/>
-                      <a:tailEnd type="none" w="med" len="med"/>
-                    </a:lnB>
-                  </a:tcPr>
-                </a:tc>
-                <a:extLst>
-                  <a:ext uri="{0D108BD9-81ED-4DB2-BD59-A6C34878D82A}">
-                    <a16:rowId xmlns:a16="http://schemas.microsoft.com/office/drawing/2014/main" val="3880530053"/>
-                  </a:ext>
-                </a:extLst>
-              </a:tr>
-              <a:tr h="370840">
-                <a:tc>
-                  <a:txBody>
-                    <a:bodyPr/>
-                    <a:lstStyle/>
-                    <a:p>
-                      <a:pPr algn="ctr"/>
-                      <a:r>
-                        <a:rPr lang="he-IL" sz="1800" kern="1200" dirty="0">
-                          <a:solidFill>
-                            <a:schemeClr val="dk1"/>
-                          </a:solidFill>
-                          <a:effectLst/>
-                          <a:latin typeface="David" panose="020E0502060401010101" pitchFamily="34" charset="-79"/>
-                          <a:ea typeface="+mn-ea"/>
-                          <a:cs typeface="David" panose="020E0502060401010101" pitchFamily="34" charset="-79"/>
-                        </a:rPr>
-                        <a:t>הסבר על השירות: דף בעמוד הבית על "איך עובד השירות" הצג דף הסבר בעת לחיצה.</a:t>
-                      </a:r>
-                      <a:endParaRPr lang="en-US" dirty="0">
-                        <a:latin typeface="David" panose="020E0502060401010101" pitchFamily="34" charset="-79"/>
-                        <a:cs typeface="David" panose="020E0502060401010101" pitchFamily="34" charset="-79"/>
-                      </a:endParaRPr>
-                    </a:p>
-                  </a:txBody>
-                  <a:tcPr anchor="ctr">
-                    <a:lnL w="12700" cap="flat" cmpd="sng" algn="ctr">
-                      <a:solidFill>
-                        <a:schemeClr val="tx1"/>
-                      </a:solidFill>
-                      <a:prstDash val="solid"/>
-                      <a:round/>
-                      <a:headEnd type="none" w="med" len="med"/>
-                      <a:tailEnd type="none" w="med" len="med"/>
-                    </a:lnL>
-                    <a:lnR w="12700" cap="flat" cmpd="sng" algn="ctr">
-                      <a:solidFill>
-                        <a:schemeClr val="tx1"/>
-                      </a:solidFill>
-                      <a:prstDash val="solid"/>
-                      <a:round/>
-                      <a:headEnd type="none" w="med" len="med"/>
-                      <a:tailEnd type="none" w="med" len="med"/>
-                    </a:lnR>
-                    <a:lnT w="12700" cap="flat" cmpd="sng" algn="ctr">
-                      <a:solidFill>
-                        <a:schemeClr val="tx1"/>
-                      </a:solidFill>
-                      <a:prstDash val="solid"/>
-                      <a:round/>
-                      <a:headEnd type="none" w="med" len="med"/>
-                      <a:tailEnd type="none" w="med" len="med"/>
-                    </a:lnT>
-                    <a:lnB w="12700" cap="flat" cmpd="sng" algn="ctr">
-                      <a:solidFill>
-                        <a:schemeClr val="tx1"/>
-                      </a:solidFill>
-                      <a:prstDash val="solid"/>
-                      <a:round/>
-                      <a:headEnd type="none" w="med" len="med"/>
-                      <a:tailEnd type="none" w="med" len="med"/>
-                    </a:lnB>
-                  </a:tcPr>
-                </a:tc>
-                <a:tc>
-                  <a:txBody>
-                    <a:bodyPr/>
-                    <a:lstStyle/>
-                    <a:p>
-                      <a:pPr algn="ctr"/>
-                      <a:r>
-                        <a:rPr lang="he-IL" sz="1800" kern="1200" dirty="0">
-                          <a:solidFill>
-                            <a:schemeClr val="dk1"/>
-                          </a:solidFill>
-                          <a:effectLst/>
-                          <a:latin typeface="David" panose="020E0502060401010101" pitchFamily="34" charset="-79"/>
-                          <a:ea typeface="+mn-ea"/>
-                          <a:cs typeface="David" panose="020E0502060401010101" pitchFamily="34" charset="-79"/>
-                        </a:rPr>
-                        <a:t>קבל הסבר על השירות</a:t>
-                      </a:r>
-                      <a:endParaRPr lang="en-US" dirty="0">
-                        <a:latin typeface="David" panose="020E0502060401010101" pitchFamily="34" charset="-79"/>
-                        <a:cs typeface="David" panose="020E0502060401010101" pitchFamily="34" charset="-79"/>
-                      </a:endParaRPr>
-                    </a:p>
-                  </a:txBody>
-                  <a:tcPr anchor="ctr">
-                    <a:lnL w="12700" cap="flat" cmpd="sng" algn="ctr">
-                      <a:solidFill>
-                        <a:schemeClr val="tx1"/>
-                      </a:solidFill>
-                      <a:prstDash val="solid"/>
-                      <a:round/>
-                      <a:headEnd type="none" w="med" len="med"/>
-                      <a:tailEnd type="none" w="med" len="med"/>
-                    </a:lnL>
-                    <a:lnR w="12700" cap="flat" cmpd="sng" algn="ctr">
-                      <a:solidFill>
-                        <a:schemeClr val="tx1"/>
-                      </a:solidFill>
-                      <a:prstDash val="solid"/>
-                      <a:round/>
-                      <a:headEnd type="none" w="med" len="med"/>
-                      <a:tailEnd type="none" w="med" len="med"/>
-                    </a:lnR>
-                    <a:lnT w="12700" cap="flat" cmpd="sng" algn="ctr">
-                      <a:solidFill>
-                        <a:schemeClr val="tx1"/>
-                      </a:solidFill>
-                      <a:prstDash val="solid"/>
-                      <a:round/>
-                      <a:headEnd type="none" w="med" len="med"/>
-                      <a:tailEnd type="none" w="med" len="med"/>
-                    </a:lnT>
-                    <a:lnB w="12700" cap="flat" cmpd="sng" algn="ctr">
-                      <a:solidFill>
-                        <a:schemeClr val="tx1"/>
-                      </a:solidFill>
-                      <a:prstDash val="solid"/>
-                      <a:round/>
-                      <a:headEnd type="none" w="med" len="med"/>
-                      <a:tailEnd type="none" w="med" len="med"/>
-                    </a:lnB>
-                  </a:tcPr>
-                </a:tc>
-                <a:tc>
-                  <a:txBody>
-                    <a:bodyPr/>
-                    <a:lstStyle/>
-                    <a:p>
-                      <a:pPr algn="ctr"/>
-                      <a:r>
-                        <a:rPr lang="he-IL" dirty="0">
-                          <a:latin typeface="David" panose="020E0502060401010101" pitchFamily="34" charset="-79"/>
-                          <a:cs typeface="David" panose="020E0502060401010101" pitchFamily="34" charset="-79"/>
-                        </a:rPr>
-                        <a:t>4.1</a:t>
-                      </a:r>
-                      <a:endParaRPr lang="en-US" dirty="0">
-                        <a:latin typeface="David" panose="020E0502060401010101" pitchFamily="34" charset="-79"/>
-                        <a:cs typeface="David" panose="020E0502060401010101" pitchFamily="34" charset="-79"/>
-                      </a:endParaRPr>
-                    </a:p>
-                  </a:txBody>
-                  <a:tcPr anchor="ctr">
-                    <a:lnL w="12700" cap="flat" cmpd="sng" algn="ctr">
-                      <a:solidFill>
-                        <a:schemeClr val="tx1"/>
-                      </a:solidFill>
-                      <a:prstDash val="solid"/>
-                      <a:round/>
-                      <a:headEnd type="none" w="med" len="med"/>
-                      <a:tailEnd type="none" w="med" len="med"/>
-                    </a:lnL>
-                    <a:lnR w="12700" cap="flat" cmpd="sng" algn="ctr">
-                      <a:solidFill>
-                        <a:schemeClr val="tx1"/>
-                      </a:solidFill>
-                      <a:prstDash val="solid"/>
-                      <a:round/>
-                      <a:headEnd type="none" w="med" len="med"/>
-                      <a:tailEnd type="none" w="med" len="med"/>
-                    </a:lnR>
-                    <a:lnT w="12700" cap="flat" cmpd="sng" algn="ctr">
-                      <a:solidFill>
-                        <a:schemeClr val="tx1"/>
-                      </a:solidFill>
-                      <a:prstDash val="solid"/>
-                      <a:round/>
-                      <a:headEnd type="none" w="med" len="med"/>
-                      <a:tailEnd type="none" w="med" len="med"/>
-                    </a:lnT>
-                    <a:lnB w="12700" cap="flat" cmpd="sng" algn="ctr">
-                      <a:solidFill>
-                        <a:schemeClr val="tx1"/>
-                      </a:solidFill>
-                      <a:prstDash val="solid"/>
-                      <a:round/>
-                      <a:headEnd type="none" w="med" len="med"/>
-                      <a:tailEnd type="none" w="med" len="med"/>
-                    </a:lnB>
-                  </a:tcPr>
-                </a:tc>
-                <a:tc>
-                  <a:txBody>
-                    <a:bodyPr/>
-                    <a:lstStyle/>
-                    <a:p>
-                      <a:pPr algn="ctr"/>
-                      <a:r>
-                        <a:rPr lang="he-IL" dirty="0">
-                          <a:latin typeface="David" panose="020E0502060401010101" pitchFamily="34" charset="-79"/>
-                          <a:cs typeface="David" panose="020E0502060401010101" pitchFamily="34" charset="-79"/>
-                        </a:rPr>
-                        <a:t>4-</a:t>
-                      </a:r>
-                      <a:r>
-                        <a:rPr lang="he-IL" sz="1800" kern="1200" dirty="0">
-                          <a:solidFill>
-                            <a:schemeClr val="dk1"/>
-                          </a:solidFill>
-                          <a:effectLst/>
-                          <a:latin typeface="David" panose="020E0502060401010101" pitchFamily="34" charset="-79"/>
-                          <a:ea typeface="+mn-ea"/>
-                          <a:cs typeface="David" panose="020E0502060401010101" pitchFamily="34" charset="-79"/>
-                        </a:rPr>
-                        <a:t>הסבר על השירות</a:t>
-                      </a:r>
-                      <a:endParaRPr lang="en-US" dirty="0">
-                        <a:latin typeface="David" panose="020E0502060401010101" pitchFamily="34" charset="-79"/>
-                        <a:cs typeface="David" panose="020E0502060401010101" pitchFamily="34" charset="-79"/>
-                      </a:endParaRPr>
-                    </a:p>
-                  </a:txBody>
-                  <a:tcPr anchor="ctr">
-                    <a:lnL w="12700" cap="flat" cmpd="sng" algn="ctr">
-                      <a:solidFill>
-                        <a:schemeClr val="tx1"/>
-                      </a:solidFill>
-                      <a:prstDash val="solid"/>
-                      <a:round/>
-                      <a:headEnd type="none" w="med" len="med"/>
-                      <a:tailEnd type="none" w="med" len="med"/>
-                    </a:lnL>
-                    <a:lnR w="12700" cap="flat" cmpd="sng" algn="ctr">
-                      <a:solidFill>
-                        <a:schemeClr val="tx1"/>
-                      </a:solidFill>
-                      <a:prstDash val="solid"/>
-                      <a:round/>
-                      <a:headEnd type="none" w="med" len="med"/>
-                      <a:tailEnd type="none" w="med" len="med"/>
-                    </a:lnR>
-                    <a:lnT w="12700" cap="flat" cmpd="sng" algn="ctr">
-                      <a:solidFill>
-                        <a:schemeClr val="tx1"/>
-                      </a:solidFill>
-                      <a:prstDash val="solid"/>
-                      <a:round/>
-                      <a:headEnd type="none" w="med" len="med"/>
-                      <a:tailEnd type="none" w="med" len="med"/>
-                    </a:lnT>
-                    <a:lnB w="12700" cap="flat" cmpd="sng" algn="ctr">
-                      <a:solidFill>
-                        <a:schemeClr val="tx1"/>
-                      </a:solidFill>
-                      <a:prstDash val="solid"/>
-                      <a:round/>
-                      <a:headEnd type="none" w="med" len="med"/>
-                      <a:tailEnd type="none" w="med" len="med"/>
-                    </a:lnB>
-                  </a:tcPr>
-                </a:tc>
-                <a:extLst>
-                  <a:ext uri="{0D108BD9-81ED-4DB2-BD59-A6C34878D82A}">
-                    <a16:rowId xmlns:a16="http://schemas.microsoft.com/office/drawing/2014/main" val="2394411548"/>
-                  </a:ext>
-                </a:extLst>
-              </a:tr>
-              <a:tr h="370840">
-                <a:tc>
-                  <a:txBody>
-                    <a:bodyPr/>
-                    <a:lstStyle/>
-                    <a:p>
-                      <a:pPr algn="ctr"/>
-                      <a:r>
-                        <a:rPr lang="he-IL" sz="1800" kern="1200" dirty="0">
-                          <a:solidFill>
-                            <a:schemeClr val="dk1"/>
-                          </a:solidFill>
-                          <a:effectLst/>
-                          <a:latin typeface="David" panose="020E0502060401010101" pitchFamily="34" charset="-79"/>
-                          <a:ea typeface="+mn-ea"/>
-                          <a:cs typeface="David" panose="020E0502060401010101" pitchFamily="34" charset="-79"/>
-                        </a:rPr>
-                        <a:t>תשלום דרך האתר בצע חיוב דרך האתר (</a:t>
-                      </a:r>
-                      <a:r>
-                        <a:rPr lang="en-US" sz="1800" kern="1200" dirty="0" err="1">
-                          <a:solidFill>
-                            <a:schemeClr val="dk1"/>
-                          </a:solidFill>
-                          <a:effectLst/>
-                          <a:latin typeface="David" panose="020E0502060401010101" pitchFamily="34" charset="-79"/>
-                          <a:ea typeface="+mn-ea"/>
-                          <a:cs typeface="David" panose="020E0502060401010101" pitchFamily="34" charset="-79"/>
-                        </a:rPr>
-                        <a:t>paypal</a:t>
-                      </a:r>
-                      <a:r>
-                        <a:rPr lang="he-IL" sz="1800" kern="1200" dirty="0">
-                          <a:solidFill>
-                            <a:schemeClr val="dk1"/>
-                          </a:solidFill>
-                          <a:effectLst/>
-                          <a:latin typeface="David" panose="020E0502060401010101" pitchFamily="34" charset="-79"/>
-                          <a:ea typeface="+mn-ea"/>
-                          <a:cs typeface="David" panose="020E0502060401010101" pitchFamily="34" charset="-79"/>
-                        </a:rPr>
-                        <a:t>/אשראי).</a:t>
-                      </a:r>
-                      <a:endParaRPr lang="en-US" dirty="0">
-                        <a:latin typeface="David" panose="020E0502060401010101" pitchFamily="34" charset="-79"/>
-                        <a:cs typeface="David" panose="020E0502060401010101" pitchFamily="34" charset="-79"/>
-                      </a:endParaRPr>
-                    </a:p>
-                  </a:txBody>
-                  <a:tcPr anchor="ctr">
-                    <a:lnL w="12700" cap="flat" cmpd="sng" algn="ctr">
-                      <a:solidFill>
-                        <a:schemeClr val="tx1"/>
-                      </a:solidFill>
-                      <a:prstDash val="solid"/>
-                      <a:round/>
-                      <a:headEnd type="none" w="med" len="med"/>
-                      <a:tailEnd type="none" w="med" len="med"/>
-                    </a:lnL>
-                    <a:lnR w="12700" cap="flat" cmpd="sng" algn="ctr">
-                      <a:solidFill>
-                        <a:schemeClr val="tx1"/>
-                      </a:solidFill>
-                      <a:prstDash val="solid"/>
-                      <a:round/>
-                      <a:headEnd type="none" w="med" len="med"/>
-                      <a:tailEnd type="none" w="med" len="med"/>
-                    </a:lnR>
-                    <a:lnT w="12700" cap="flat" cmpd="sng" algn="ctr">
-                      <a:solidFill>
-                        <a:schemeClr val="tx1"/>
-                      </a:solidFill>
-                      <a:prstDash val="solid"/>
-                      <a:round/>
-                      <a:headEnd type="none" w="med" len="med"/>
-                      <a:tailEnd type="none" w="med" len="med"/>
-                    </a:lnT>
-                    <a:lnB w="12700" cap="flat" cmpd="sng" algn="ctr">
-                      <a:solidFill>
-                        <a:schemeClr val="tx1"/>
-                      </a:solidFill>
-                      <a:prstDash val="solid"/>
-                      <a:round/>
-                      <a:headEnd type="none" w="med" len="med"/>
-                      <a:tailEnd type="none" w="med" len="med"/>
-                    </a:lnB>
-                  </a:tcPr>
-                </a:tc>
-                <a:tc>
-                  <a:txBody>
-                    <a:bodyPr/>
-                    <a:lstStyle/>
-                    <a:p>
-                      <a:pPr algn="ctr"/>
-                      <a:r>
-                        <a:rPr lang="he-IL" sz="1800" kern="1200" dirty="0">
-                          <a:solidFill>
-                            <a:schemeClr val="dk1"/>
-                          </a:solidFill>
-                          <a:effectLst/>
-                          <a:latin typeface="David" panose="020E0502060401010101" pitchFamily="34" charset="-79"/>
-                          <a:ea typeface="+mn-ea"/>
-                          <a:cs typeface="David" panose="020E0502060401010101" pitchFamily="34" charset="-79"/>
-                        </a:rPr>
-                        <a:t>בצע תשלום</a:t>
-                      </a:r>
-                      <a:endParaRPr lang="en-US" dirty="0">
-                        <a:latin typeface="David" panose="020E0502060401010101" pitchFamily="34" charset="-79"/>
-                        <a:cs typeface="David" panose="020E0502060401010101" pitchFamily="34" charset="-79"/>
-                      </a:endParaRPr>
-                    </a:p>
-                  </a:txBody>
-                  <a:tcPr anchor="ctr">
-                    <a:lnL w="12700" cap="flat" cmpd="sng" algn="ctr">
-                      <a:solidFill>
-                        <a:schemeClr val="tx1"/>
-                      </a:solidFill>
-                      <a:prstDash val="solid"/>
-                      <a:round/>
-                      <a:headEnd type="none" w="med" len="med"/>
-                      <a:tailEnd type="none" w="med" len="med"/>
-                    </a:lnL>
-                    <a:lnR w="12700" cap="flat" cmpd="sng" algn="ctr">
-                      <a:solidFill>
-                        <a:schemeClr val="tx1"/>
-                      </a:solidFill>
-                      <a:prstDash val="solid"/>
-                      <a:round/>
-                      <a:headEnd type="none" w="med" len="med"/>
-                      <a:tailEnd type="none" w="med" len="med"/>
-                    </a:lnR>
-                    <a:lnT w="12700" cap="flat" cmpd="sng" algn="ctr">
-                      <a:solidFill>
-                        <a:schemeClr val="tx1"/>
-                      </a:solidFill>
-                      <a:prstDash val="solid"/>
-                      <a:round/>
-                      <a:headEnd type="none" w="med" len="med"/>
-                      <a:tailEnd type="none" w="med" len="med"/>
-                    </a:lnT>
-                    <a:lnB w="12700" cap="flat" cmpd="sng" algn="ctr">
-                      <a:solidFill>
-                        <a:schemeClr val="tx1"/>
-                      </a:solidFill>
-                      <a:prstDash val="solid"/>
-                      <a:round/>
-                      <a:headEnd type="none" w="med" len="med"/>
-                      <a:tailEnd type="none" w="med" len="med"/>
-                    </a:lnB>
-                  </a:tcPr>
-                </a:tc>
-                <a:tc>
-                  <a:txBody>
-                    <a:bodyPr/>
-                    <a:lstStyle/>
-                    <a:p>
-                      <a:pPr algn="ctr"/>
-                      <a:r>
-                        <a:rPr lang="he-IL" dirty="0">
-                          <a:latin typeface="David" panose="020E0502060401010101" pitchFamily="34" charset="-79"/>
-                          <a:cs typeface="David" panose="020E0502060401010101" pitchFamily="34" charset="-79"/>
-                        </a:rPr>
-                        <a:t>5.1</a:t>
-                      </a:r>
-                      <a:endParaRPr lang="en-US" dirty="0">
-                        <a:latin typeface="David" panose="020E0502060401010101" pitchFamily="34" charset="-79"/>
-                        <a:cs typeface="David" panose="020E0502060401010101" pitchFamily="34" charset="-79"/>
-                      </a:endParaRPr>
-                    </a:p>
-                  </a:txBody>
-                  <a:tcPr anchor="ctr">
-                    <a:lnL w="12700" cap="flat" cmpd="sng" algn="ctr">
-                      <a:solidFill>
-                        <a:schemeClr val="tx1"/>
-                      </a:solidFill>
-                      <a:prstDash val="solid"/>
-                      <a:round/>
-                      <a:headEnd type="none" w="med" len="med"/>
-                      <a:tailEnd type="none" w="med" len="med"/>
-                    </a:lnL>
-                    <a:lnR w="12700" cap="flat" cmpd="sng" algn="ctr">
-                      <a:solidFill>
-                        <a:schemeClr val="tx1"/>
-                      </a:solidFill>
-                      <a:prstDash val="solid"/>
-                      <a:round/>
-                      <a:headEnd type="none" w="med" len="med"/>
-                      <a:tailEnd type="none" w="med" len="med"/>
-                    </a:lnR>
-                    <a:lnT w="12700" cap="flat" cmpd="sng" algn="ctr">
-                      <a:solidFill>
-                        <a:schemeClr val="tx1"/>
-                      </a:solidFill>
-                      <a:prstDash val="solid"/>
-                      <a:round/>
-                      <a:headEnd type="none" w="med" len="med"/>
-                      <a:tailEnd type="none" w="med" len="med"/>
-                    </a:lnT>
-                    <a:lnB w="12700" cap="flat" cmpd="sng" algn="ctr">
-                      <a:solidFill>
-                        <a:schemeClr val="tx1"/>
-                      </a:solidFill>
-                      <a:prstDash val="solid"/>
-                      <a:round/>
-                      <a:headEnd type="none" w="med" len="med"/>
-                      <a:tailEnd type="none" w="med" len="med"/>
-                    </a:lnB>
-                  </a:tcPr>
-                </a:tc>
-                <a:tc rowSpan="5">
-                  <a:txBody>
-                    <a:bodyPr/>
-                    <a:lstStyle/>
-                    <a:p>
-                      <a:pPr algn="ctr"/>
-                      <a:endParaRPr lang="he-IL" sz="1800" kern="1200" dirty="0">
-                        <a:solidFill>
-                          <a:schemeClr val="dk1"/>
-                        </a:solidFill>
-                        <a:effectLst/>
-                        <a:latin typeface="David" panose="020E0502060401010101" pitchFamily="34" charset="-79"/>
-                        <a:ea typeface="+mn-ea"/>
-                        <a:cs typeface="David" panose="020E0502060401010101" pitchFamily="34" charset="-79"/>
-                      </a:endParaRPr>
-                    </a:p>
-                    <a:p>
-                      <a:pPr algn="ctr"/>
-                      <a:endParaRPr lang="he-IL" sz="1800" kern="1200" dirty="0">
-                        <a:solidFill>
-                          <a:schemeClr val="dk1"/>
-                        </a:solidFill>
-                        <a:effectLst/>
-                        <a:latin typeface="David" panose="020E0502060401010101" pitchFamily="34" charset="-79"/>
-                        <a:ea typeface="+mn-ea"/>
-                        <a:cs typeface="David" panose="020E0502060401010101" pitchFamily="34" charset="-79"/>
-                      </a:endParaRPr>
-                    </a:p>
-                    <a:p>
-                      <a:pPr algn="ctr"/>
-                      <a:endParaRPr lang="he-IL" sz="1800" kern="1200" dirty="0">
-                        <a:solidFill>
-                          <a:schemeClr val="dk1"/>
-                        </a:solidFill>
-                        <a:effectLst/>
-                        <a:latin typeface="David" panose="020E0502060401010101" pitchFamily="34" charset="-79"/>
-                        <a:ea typeface="+mn-ea"/>
-                        <a:cs typeface="David" panose="020E0502060401010101" pitchFamily="34" charset="-79"/>
-                      </a:endParaRPr>
-                    </a:p>
-                    <a:p>
-                      <a:pPr algn="ctr"/>
-                      <a:r>
-                        <a:rPr lang="he-IL" sz="1800" kern="1200" dirty="0">
-                          <a:solidFill>
-                            <a:schemeClr val="dk1"/>
-                          </a:solidFill>
-                          <a:effectLst/>
-                          <a:latin typeface="David" panose="020E0502060401010101" pitchFamily="34" charset="-79"/>
-                          <a:ea typeface="+mn-ea"/>
-                          <a:cs typeface="David" panose="020E0502060401010101" pitchFamily="34" charset="-79"/>
-                        </a:rPr>
-                        <a:t>5-תשלום</a:t>
-                      </a:r>
-                      <a:endParaRPr lang="en-US" dirty="0">
-                        <a:latin typeface="David" panose="020E0502060401010101" pitchFamily="34" charset="-79"/>
-                        <a:cs typeface="David" panose="020E0502060401010101" pitchFamily="34" charset="-79"/>
-                      </a:endParaRPr>
-                    </a:p>
-                  </a:txBody>
-                  <a:tcPr anchor="ctr">
-                    <a:lnL w="12700" cap="flat" cmpd="sng" algn="ctr">
-                      <a:solidFill>
-                        <a:schemeClr val="tx1"/>
-                      </a:solidFill>
-                      <a:prstDash val="solid"/>
-                      <a:round/>
-                      <a:headEnd type="none" w="med" len="med"/>
-                      <a:tailEnd type="none" w="med" len="med"/>
-                    </a:lnL>
-                    <a:lnR w="12700" cap="flat" cmpd="sng" algn="ctr">
-                      <a:solidFill>
-                        <a:schemeClr val="tx1"/>
-                      </a:solidFill>
-                      <a:prstDash val="solid"/>
-                      <a:round/>
-                      <a:headEnd type="none" w="med" len="med"/>
-                      <a:tailEnd type="none" w="med" len="med"/>
-                    </a:lnR>
-                    <a:lnT w="12700" cap="flat" cmpd="sng" algn="ctr">
-                      <a:solidFill>
-                        <a:schemeClr val="tx1"/>
-                      </a:solidFill>
-                      <a:prstDash val="solid"/>
-                      <a:round/>
-                      <a:headEnd type="none" w="med" len="med"/>
-                      <a:tailEnd type="none" w="med" len="med"/>
-                    </a:lnT>
-                    <a:lnB w="12700" cap="flat" cmpd="sng" algn="ctr">
-                      <a:solidFill>
-                        <a:schemeClr val="tx1"/>
-                      </a:solidFill>
-                      <a:prstDash val="solid"/>
-                      <a:round/>
-                      <a:headEnd type="none" w="med" len="med"/>
-                      <a:tailEnd type="none" w="med" len="med"/>
-                    </a:lnB>
-                  </a:tcPr>
-                </a:tc>
-                <a:extLst>
-                  <a:ext uri="{0D108BD9-81ED-4DB2-BD59-A6C34878D82A}">
-                    <a16:rowId xmlns:a16="http://schemas.microsoft.com/office/drawing/2014/main" val="3209393135"/>
-                  </a:ext>
-                </a:extLst>
-              </a:tr>
-              <a:tr h="370840">
-                <a:tc>
-                  <a:txBody>
-                    <a:bodyPr/>
-                    <a:lstStyle/>
-                    <a:p>
-                      <a:pPr algn="ctr"/>
-                      <a:r>
-                        <a:rPr lang="he-IL" sz="1800" kern="1200" dirty="0">
-                          <a:solidFill>
-                            <a:schemeClr val="dk1"/>
-                          </a:solidFill>
-                          <a:effectLst/>
-                          <a:latin typeface="David" panose="020E0502060401010101" pitchFamily="34" charset="-79"/>
-                          <a:ea typeface="+mn-ea"/>
-                          <a:cs typeface="David" panose="020E0502060401010101" pitchFamily="34" charset="-79"/>
-                        </a:rPr>
-                        <a:t>שליחת דיוור למייל על התאמות לבייביסיטר ותשלומים.</a:t>
-                      </a:r>
-                      <a:endParaRPr lang="en-US" dirty="0">
-                        <a:latin typeface="David" panose="020E0502060401010101" pitchFamily="34" charset="-79"/>
-                        <a:cs typeface="David" panose="020E0502060401010101" pitchFamily="34" charset="-79"/>
-                      </a:endParaRPr>
-                    </a:p>
-                  </a:txBody>
-                  <a:tcPr anchor="ctr">
-                    <a:lnL w="12700" cap="flat" cmpd="sng" algn="ctr">
-                      <a:solidFill>
-                        <a:schemeClr val="tx1"/>
-                      </a:solidFill>
-                      <a:prstDash val="solid"/>
-                      <a:round/>
-                      <a:headEnd type="none" w="med" len="med"/>
-                      <a:tailEnd type="none" w="med" len="med"/>
-                    </a:lnL>
-                    <a:lnR w="12700" cap="flat" cmpd="sng" algn="ctr">
-                      <a:solidFill>
-                        <a:schemeClr val="tx1"/>
-                      </a:solidFill>
-                      <a:prstDash val="solid"/>
-                      <a:round/>
-                      <a:headEnd type="none" w="med" len="med"/>
-                      <a:tailEnd type="none" w="med" len="med"/>
-                    </a:lnR>
-                    <a:lnT w="12700" cap="flat" cmpd="sng" algn="ctr">
-                      <a:solidFill>
-                        <a:schemeClr val="tx1"/>
-                      </a:solidFill>
-                      <a:prstDash val="solid"/>
-                      <a:round/>
-                      <a:headEnd type="none" w="med" len="med"/>
-                      <a:tailEnd type="none" w="med" len="med"/>
-                    </a:lnT>
-                    <a:lnB w="12700" cap="flat" cmpd="sng" algn="ctr">
-                      <a:solidFill>
-                        <a:schemeClr val="tx1"/>
-                      </a:solidFill>
-                      <a:prstDash val="solid"/>
-                      <a:round/>
-                      <a:headEnd type="none" w="med" len="med"/>
-                      <a:tailEnd type="none" w="med" len="med"/>
-                    </a:lnB>
-                  </a:tcPr>
-                </a:tc>
-                <a:tc>
-                  <a:txBody>
-                    <a:bodyPr/>
-                    <a:lstStyle/>
-                    <a:p>
-                      <a:pPr algn="ctr"/>
-                      <a:r>
-                        <a:rPr lang="he-IL" sz="1800" kern="1200" dirty="0">
-                          <a:solidFill>
-                            <a:schemeClr val="dk1"/>
-                          </a:solidFill>
-                          <a:effectLst/>
-                          <a:latin typeface="David" panose="020E0502060401010101" pitchFamily="34" charset="-79"/>
-                          <a:ea typeface="+mn-ea"/>
-                          <a:cs typeface="David" panose="020E0502060401010101" pitchFamily="34" charset="-79"/>
-                        </a:rPr>
-                        <a:t>שלח מייל אישור </a:t>
-                      </a:r>
-                      <a:endParaRPr lang="en-US" dirty="0">
-                        <a:latin typeface="David" panose="020E0502060401010101" pitchFamily="34" charset="-79"/>
-                        <a:cs typeface="David" panose="020E0502060401010101" pitchFamily="34" charset="-79"/>
-                      </a:endParaRPr>
-                    </a:p>
-                  </a:txBody>
-                  <a:tcPr anchor="ctr">
-                    <a:lnL w="12700" cap="flat" cmpd="sng" algn="ctr">
-                      <a:solidFill>
-                        <a:schemeClr val="tx1"/>
-                      </a:solidFill>
-                      <a:prstDash val="solid"/>
-                      <a:round/>
-                      <a:headEnd type="none" w="med" len="med"/>
-                      <a:tailEnd type="none" w="med" len="med"/>
-                    </a:lnL>
-                    <a:lnR w="12700" cap="flat" cmpd="sng" algn="ctr">
-                      <a:solidFill>
-                        <a:schemeClr val="tx1"/>
-                      </a:solidFill>
-                      <a:prstDash val="solid"/>
-                      <a:round/>
-                      <a:headEnd type="none" w="med" len="med"/>
-                      <a:tailEnd type="none" w="med" len="med"/>
-                    </a:lnR>
-                    <a:lnT w="12700" cap="flat" cmpd="sng" algn="ctr">
-                      <a:solidFill>
-                        <a:schemeClr val="tx1"/>
-                      </a:solidFill>
-                      <a:prstDash val="solid"/>
-                      <a:round/>
-                      <a:headEnd type="none" w="med" len="med"/>
-                      <a:tailEnd type="none" w="med" len="med"/>
-                    </a:lnT>
-                    <a:lnB w="12700" cap="flat" cmpd="sng" algn="ctr">
-                      <a:solidFill>
-                        <a:schemeClr val="tx1"/>
-                      </a:solidFill>
-                      <a:prstDash val="solid"/>
-                      <a:round/>
-                      <a:headEnd type="none" w="med" len="med"/>
-                      <a:tailEnd type="none" w="med" len="med"/>
-                    </a:lnB>
-                  </a:tcPr>
-                </a:tc>
-                <a:tc>
-                  <a:txBody>
-                    <a:bodyPr/>
-                    <a:lstStyle/>
-                    <a:p>
-                      <a:pPr algn="ctr"/>
-                      <a:r>
-                        <a:rPr lang="he-IL" dirty="0">
-                          <a:latin typeface="David" panose="020E0502060401010101" pitchFamily="34" charset="-79"/>
-                          <a:cs typeface="David" panose="020E0502060401010101" pitchFamily="34" charset="-79"/>
-                        </a:rPr>
-                        <a:t>5.1.1</a:t>
-                      </a:r>
-                      <a:endParaRPr lang="en-US" dirty="0">
-                        <a:latin typeface="David" panose="020E0502060401010101" pitchFamily="34" charset="-79"/>
-                        <a:cs typeface="David" panose="020E0502060401010101" pitchFamily="34" charset="-79"/>
-                      </a:endParaRPr>
-                    </a:p>
-                  </a:txBody>
-                  <a:tcPr anchor="ctr">
-                    <a:lnL w="12700" cap="flat" cmpd="sng" algn="ctr">
-                      <a:solidFill>
-                        <a:schemeClr val="tx1"/>
-                      </a:solidFill>
-                      <a:prstDash val="solid"/>
-                      <a:round/>
-                      <a:headEnd type="none" w="med" len="med"/>
-                      <a:tailEnd type="none" w="med" len="med"/>
-                    </a:lnL>
-                    <a:lnR w="12700" cap="flat" cmpd="sng" algn="ctr">
-                      <a:solidFill>
-                        <a:schemeClr val="tx1"/>
-                      </a:solidFill>
-                      <a:prstDash val="solid"/>
-                      <a:round/>
-                      <a:headEnd type="none" w="med" len="med"/>
-                      <a:tailEnd type="none" w="med" len="med"/>
-                    </a:lnR>
-                    <a:lnT w="12700" cap="flat" cmpd="sng" algn="ctr">
-                      <a:solidFill>
-                        <a:schemeClr val="tx1"/>
-                      </a:solidFill>
-                      <a:prstDash val="solid"/>
-                      <a:round/>
-                      <a:headEnd type="none" w="med" len="med"/>
-                      <a:tailEnd type="none" w="med" len="med"/>
-                    </a:lnT>
-                    <a:lnB w="12700" cap="flat" cmpd="sng" algn="ctr">
-                      <a:solidFill>
-                        <a:schemeClr val="tx1"/>
-                      </a:solidFill>
-                      <a:prstDash val="solid"/>
-                      <a:round/>
-                      <a:headEnd type="none" w="med" len="med"/>
-                      <a:tailEnd type="none" w="med" len="med"/>
-                    </a:lnB>
-                  </a:tcPr>
-                </a:tc>
-                <a:tc vMerge="1">
-                  <a:txBody>
-                    <a:bodyPr/>
-                    <a:lstStyle/>
-                    <a:p>
-                      <a:endParaRPr lang="en-US" dirty="0"/>
-                    </a:p>
-                  </a:txBody>
-                  <a:tcPr/>
-                </a:tc>
-                <a:extLst>
-                  <a:ext uri="{0D108BD9-81ED-4DB2-BD59-A6C34878D82A}">
-                    <a16:rowId xmlns:a16="http://schemas.microsoft.com/office/drawing/2014/main" val="304000106"/>
-                  </a:ext>
-                </a:extLst>
-              </a:tr>
-              <a:tr h="370840">
-                <a:tc>
-                  <a:txBody>
-                    <a:bodyPr/>
-                    <a:lstStyle/>
-                    <a:p>
-                      <a:pPr algn="ctr"/>
-                      <a:r>
-                        <a:rPr lang="he-IL" sz="1800" kern="1200" dirty="0">
-                          <a:solidFill>
-                            <a:schemeClr val="dk1"/>
-                          </a:solidFill>
-                          <a:effectLst/>
-                          <a:latin typeface="David" panose="020E0502060401010101" pitchFamily="34" charset="-79"/>
-                          <a:ea typeface="+mn-ea"/>
-                          <a:cs typeface="David" panose="020E0502060401010101" pitchFamily="34" charset="-79"/>
-                        </a:rPr>
-                        <a:t>העבר תשלום לבייביסיטר וגבה עמלה.</a:t>
-                      </a:r>
-                      <a:endParaRPr lang="en-US" dirty="0">
-                        <a:latin typeface="David" panose="020E0502060401010101" pitchFamily="34" charset="-79"/>
-                        <a:cs typeface="David" panose="020E0502060401010101" pitchFamily="34" charset="-79"/>
-                      </a:endParaRPr>
-                    </a:p>
-                  </a:txBody>
-                  <a:tcPr anchor="ctr">
-                    <a:lnL w="12700" cap="flat" cmpd="sng" algn="ctr">
-                      <a:solidFill>
-                        <a:schemeClr val="tx1"/>
-                      </a:solidFill>
-                      <a:prstDash val="solid"/>
-                      <a:round/>
-                      <a:headEnd type="none" w="med" len="med"/>
-                      <a:tailEnd type="none" w="med" len="med"/>
-                    </a:lnL>
-                    <a:lnR w="12700" cap="flat" cmpd="sng" algn="ctr">
-                      <a:solidFill>
-                        <a:schemeClr val="tx1"/>
-                      </a:solidFill>
-                      <a:prstDash val="solid"/>
-                      <a:round/>
-                      <a:headEnd type="none" w="med" len="med"/>
-                      <a:tailEnd type="none" w="med" len="med"/>
-                    </a:lnR>
-                    <a:lnT w="12700" cap="flat" cmpd="sng" algn="ctr">
-                      <a:solidFill>
-                        <a:schemeClr val="tx1"/>
-                      </a:solidFill>
-                      <a:prstDash val="solid"/>
-                      <a:round/>
-                      <a:headEnd type="none" w="med" len="med"/>
-                      <a:tailEnd type="none" w="med" len="med"/>
-                    </a:lnT>
-                    <a:lnB w="12700" cap="flat" cmpd="sng" algn="ctr">
-                      <a:solidFill>
-                        <a:schemeClr val="tx1"/>
-                      </a:solidFill>
-                      <a:prstDash val="solid"/>
-                      <a:round/>
-                      <a:headEnd type="none" w="med" len="med"/>
-                      <a:tailEnd type="none" w="med" len="med"/>
-                    </a:lnB>
-                  </a:tcPr>
-                </a:tc>
-                <a:tc>
-                  <a:txBody>
-                    <a:bodyPr/>
-                    <a:lstStyle/>
-                    <a:p>
-                      <a:pPr algn="ctr"/>
-                      <a:r>
-                        <a:rPr lang="he-IL" sz="1800" kern="1200" dirty="0">
-                          <a:solidFill>
-                            <a:schemeClr val="dk1"/>
-                          </a:solidFill>
-                          <a:effectLst/>
-                          <a:latin typeface="David" panose="020E0502060401010101" pitchFamily="34" charset="-79"/>
-                          <a:ea typeface="+mn-ea"/>
-                          <a:cs typeface="David" panose="020E0502060401010101" pitchFamily="34" charset="-79"/>
-                        </a:rPr>
-                        <a:t>העבר תשלום</a:t>
-                      </a:r>
-                      <a:endParaRPr lang="en-US" dirty="0">
-                        <a:latin typeface="David" panose="020E0502060401010101" pitchFamily="34" charset="-79"/>
-                        <a:cs typeface="David" panose="020E0502060401010101" pitchFamily="34" charset="-79"/>
-                      </a:endParaRPr>
-                    </a:p>
-                  </a:txBody>
-                  <a:tcPr anchor="ctr">
-                    <a:lnL w="12700" cap="flat" cmpd="sng" algn="ctr">
-                      <a:solidFill>
-                        <a:schemeClr val="tx1"/>
-                      </a:solidFill>
-                      <a:prstDash val="solid"/>
-                      <a:round/>
-                      <a:headEnd type="none" w="med" len="med"/>
-                      <a:tailEnd type="none" w="med" len="med"/>
-                    </a:lnL>
-                    <a:lnR w="12700" cap="flat" cmpd="sng" algn="ctr">
-                      <a:solidFill>
-                        <a:schemeClr val="tx1"/>
-                      </a:solidFill>
-                      <a:prstDash val="solid"/>
-                      <a:round/>
-                      <a:headEnd type="none" w="med" len="med"/>
-                      <a:tailEnd type="none" w="med" len="med"/>
-                    </a:lnR>
-                    <a:lnT w="12700" cap="flat" cmpd="sng" algn="ctr">
-                      <a:solidFill>
-                        <a:schemeClr val="tx1"/>
-                      </a:solidFill>
-                      <a:prstDash val="solid"/>
-                      <a:round/>
-                      <a:headEnd type="none" w="med" len="med"/>
-                      <a:tailEnd type="none" w="med" len="med"/>
-                    </a:lnT>
-                    <a:lnB w="12700" cap="flat" cmpd="sng" algn="ctr">
-                      <a:solidFill>
-                        <a:schemeClr val="tx1"/>
-                      </a:solidFill>
-                      <a:prstDash val="solid"/>
-                      <a:round/>
-                      <a:headEnd type="none" w="med" len="med"/>
-                      <a:tailEnd type="none" w="med" len="med"/>
-                    </a:lnB>
-                  </a:tcPr>
-                </a:tc>
-                <a:tc>
-                  <a:txBody>
-                    <a:bodyPr/>
-                    <a:lstStyle/>
-                    <a:p>
-                      <a:pPr algn="ctr"/>
-                      <a:r>
-                        <a:rPr lang="he-IL" dirty="0">
-                          <a:latin typeface="David" panose="020E0502060401010101" pitchFamily="34" charset="-79"/>
-                          <a:cs typeface="David" panose="020E0502060401010101" pitchFamily="34" charset="-79"/>
-                        </a:rPr>
-                        <a:t>5.1.2</a:t>
-                      </a:r>
-                      <a:endParaRPr lang="en-US" dirty="0">
-                        <a:latin typeface="David" panose="020E0502060401010101" pitchFamily="34" charset="-79"/>
-                        <a:cs typeface="David" panose="020E0502060401010101" pitchFamily="34" charset="-79"/>
-                      </a:endParaRPr>
-                    </a:p>
-                  </a:txBody>
-                  <a:tcPr anchor="ctr">
-                    <a:lnL w="12700" cap="flat" cmpd="sng" algn="ctr">
-                      <a:solidFill>
-                        <a:schemeClr val="tx1"/>
-                      </a:solidFill>
-                      <a:prstDash val="solid"/>
-                      <a:round/>
-                      <a:headEnd type="none" w="med" len="med"/>
-                      <a:tailEnd type="none" w="med" len="med"/>
-                    </a:lnL>
-                    <a:lnR w="12700" cap="flat" cmpd="sng" algn="ctr">
-                      <a:solidFill>
-                        <a:schemeClr val="tx1"/>
-                      </a:solidFill>
-                      <a:prstDash val="solid"/>
-                      <a:round/>
-                      <a:headEnd type="none" w="med" len="med"/>
-                      <a:tailEnd type="none" w="med" len="med"/>
-                    </a:lnR>
-                    <a:lnT w="12700" cap="flat" cmpd="sng" algn="ctr">
-                      <a:solidFill>
-                        <a:schemeClr val="tx1"/>
-                      </a:solidFill>
-                      <a:prstDash val="solid"/>
-                      <a:round/>
-                      <a:headEnd type="none" w="med" len="med"/>
-                      <a:tailEnd type="none" w="med" len="med"/>
-                    </a:lnT>
-                    <a:lnB w="12700" cap="flat" cmpd="sng" algn="ctr">
-                      <a:solidFill>
-                        <a:schemeClr val="tx1"/>
-                      </a:solidFill>
-                      <a:prstDash val="solid"/>
-                      <a:round/>
-                      <a:headEnd type="none" w="med" len="med"/>
-                      <a:tailEnd type="none" w="med" len="med"/>
-                    </a:lnB>
-                  </a:tcPr>
-                </a:tc>
-                <a:tc vMerge="1">
-                  <a:txBody>
-                    <a:bodyPr/>
-                    <a:lstStyle/>
-                    <a:p>
-                      <a:endParaRPr lang="en-US" dirty="0"/>
-                    </a:p>
-                  </a:txBody>
-                  <a:tcPr/>
-                </a:tc>
-                <a:extLst>
-                  <a:ext uri="{0D108BD9-81ED-4DB2-BD59-A6C34878D82A}">
-                    <a16:rowId xmlns:a16="http://schemas.microsoft.com/office/drawing/2014/main" val="331744321"/>
-                  </a:ext>
-                </a:extLst>
-              </a:tr>
-              <a:tr h="370840">
-                <a:tc>
-                  <a:txBody>
-                    <a:bodyPr/>
-                    <a:lstStyle/>
-                    <a:p>
-                      <a:pPr algn="ctr"/>
-                      <a:r>
-                        <a:rPr lang="he-IL" sz="1800" kern="1200" dirty="0">
-                          <a:solidFill>
-                            <a:schemeClr val="dk1"/>
-                          </a:solidFill>
-                          <a:effectLst/>
-                          <a:latin typeface="David" panose="020E0502060401010101" pitchFamily="34" charset="-79"/>
-                          <a:ea typeface="+mn-ea"/>
-                          <a:cs typeface="David" panose="020E0502060401010101" pitchFamily="34" charset="-79"/>
-                        </a:rPr>
-                        <a:t>גבה עמלת ביטול לבייביסיטר שבוטל ב-6.2</a:t>
-                      </a:r>
-                      <a:endParaRPr lang="en-US" dirty="0">
-                        <a:latin typeface="David" panose="020E0502060401010101" pitchFamily="34" charset="-79"/>
-                        <a:cs typeface="David" panose="020E0502060401010101" pitchFamily="34" charset="-79"/>
-                      </a:endParaRPr>
-                    </a:p>
-                  </a:txBody>
-                  <a:tcPr anchor="ctr">
-                    <a:lnL w="12700" cap="flat" cmpd="sng" algn="ctr">
-                      <a:solidFill>
-                        <a:schemeClr val="tx1"/>
-                      </a:solidFill>
-                      <a:prstDash val="solid"/>
-                      <a:round/>
-                      <a:headEnd type="none" w="med" len="med"/>
-                      <a:tailEnd type="none" w="med" len="med"/>
-                    </a:lnL>
-                    <a:lnR w="12700" cap="flat" cmpd="sng" algn="ctr">
-                      <a:solidFill>
-                        <a:schemeClr val="tx1"/>
-                      </a:solidFill>
-                      <a:prstDash val="solid"/>
-                      <a:round/>
-                      <a:headEnd type="none" w="med" len="med"/>
-                      <a:tailEnd type="none" w="med" len="med"/>
-                    </a:lnR>
-                    <a:lnT w="12700" cap="flat" cmpd="sng" algn="ctr">
-                      <a:solidFill>
-                        <a:schemeClr val="tx1"/>
-                      </a:solidFill>
-                      <a:prstDash val="solid"/>
-                      <a:round/>
-                      <a:headEnd type="none" w="med" len="med"/>
-                      <a:tailEnd type="none" w="med" len="med"/>
-                    </a:lnT>
-                    <a:lnB w="12700" cap="flat" cmpd="sng" algn="ctr">
-                      <a:solidFill>
-                        <a:schemeClr val="tx1"/>
-                      </a:solidFill>
-                      <a:prstDash val="solid"/>
-                      <a:round/>
-                      <a:headEnd type="none" w="med" len="med"/>
-                      <a:tailEnd type="none" w="med" len="med"/>
-                    </a:lnB>
-                  </a:tcPr>
-                </a:tc>
-                <a:tc>
-                  <a:txBody>
-                    <a:bodyPr/>
-                    <a:lstStyle/>
-                    <a:p>
-                      <a:pPr algn="ctr"/>
-                      <a:r>
-                        <a:rPr lang="he-IL" sz="1800" kern="1200" dirty="0">
-                          <a:solidFill>
-                            <a:schemeClr val="dk1"/>
-                          </a:solidFill>
-                          <a:effectLst/>
-                          <a:latin typeface="David" panose="020E0502060401010101" pitchFamily="34" charset="-79"/>
-                          <a:ea typeface="+mn-ea"/>
-                          <a:cs typeface="David" panose="020E0502060401010101" pitchFamily="34" charset="-79"/>
-                        </a:rPr>
-                        <a:t>בטל תשלום</a:t>
-                      </a:r>
-                      <a:endParaRPr lang="en-US" dirty="0">
-                        <a:latin typeface="David" panose="020E0502060401010101" pitchFamily="34" charset="-79"/>
-                        <a:cs typeface="David" panose="020E0502060401010101" pitchFamily="34" charset="-79"/>
-                      </a:endParaRPr>
-                    </a:p>
-                  </a:txBody>
-                  <a:tcPr anchor="ctr">
-                    <a:lnL w="12700" cap="flat" cmpd="sng" algn="ctr">
-                      <a:solidFill>
-                        <a:schemeClr val="tx1"/>
-                      </a:solidFill>
-                      <a:prstDash val="solid"/>
-                      <a:round/>
-                      <a:headEnd type="none" w="med" len="med"/>
-                      <a:tailEnd type="none" w="med" len="med"/>
-                    </a:lnL>
-                    <a:lnR w="12700" cap="flat" cmpd="sng" algn="ctr">
-                      <a:solidFill>
-                        <a:schemeClr val="tx1"/>
-                      </a:solidFill>
-                      <a:prstDash val="solid"/>
-                      <a:round/>
-                      <a:headEnd type="none" w="med" len="med"/>
-                      <a:tailEnd type="none" w="med" len="med"/>
-                    </a:lnR>
-                    <a:lnT w="12700" cap="flat" cmpd="sng" algn="ctr">
-                      <a:solidFill>
-                        <a:schemeClr val="tx1"/>
-                      </a:solidFill>
-                      <a:prstDash val="solid"/>
-                      <a:round/>
-                      <a:headEnd type="none" w="med" len="med"/>
-                      <a:tailEnd type="none" w="med" len="med"/>
-                    </a:lnT>
-                    <a:lnB w="12700" cap="flat" cmpd="sng" algn="ctr">
-                      <a:solidFill>
-                        <a:schemeClr val="tx1"/>
-                      </a:solidFill>
-                      <a:prstDash val="solid"/>
-                      <a:round/>
-                      <a:headEnd type="none" w="med" len="med"/>
-                      <a:tailEnd type="none" w="med" len="med"/>
-                    </a:lnB>
-                  </a:tcPr>
-                </a:tc>
-                <a:tc>
-                  <a:txBody>
-                    <a:bodyPr/>
-                    <a:lstStyle/>
-                    <a:p>
-                      <a:pPr algn="ctr"/>
-                      <a:r>
-                        <a:rPr lang="he-IL" dirty="0">
-                          <a:latin typeface="David" panose="020E0502060401010101" pitchFamily="34" charset="-79"/>
-                          <a:cs typeface="David" panose="020E0502060401010101" pitchFamily="34" charset="-79"/>
-                        </a:rPr>
-                        <a:t>5.2</a:t>
-                      </a:r>
-                      <a:endParaRPr lang="en-US" dirty="0">
-                        <a:latin typeface="David" panose="020E0502060401010101" pitchFamily="34" charset="-79"/>
-                        <a:cs typeface="David" panose="020E0502060401010101" pitchFamily="34" charset="-79"/>
-                      </a:endParaRPr>
-                    </a:p>
-                  </a:txBody>
-                  <a:tcPr anchor="ctr">
-                    <a:lnL w="12700" cap="flat" cmpd="sng" algn="ctr">
-                      <a:solidFill>
-                        <a:schemeClr val="tx1"/>
-                      </a:solidFill>
-                      <a:prstDash val="solid"/>
-                      <a:round/>
-                      <a:headEnd type="none" w="med" len="med"/>
-                      <a:tailEnd type="none" w="med" len="med"/>
-                    </a:lnL>
-                    <a:lnR w="12700" cap="flat" cmpd="sng" algn="ctr">
-                      <a:solidFill>
-                        <a:schemeClr val="tx1"/>
-                      </a:solidFill>
-                      <a:prstDash val="solid"/>
-                      <a:round/>
-                      <a:headEnd type="none" w="med" len="med"/>
-                      <a:tailEnd type="none" w="med" len="med"/>
-                    </a:lnR>
-                    <a:lnT w="12700" cap="flat" cmpd="sng" algn="ctr">
-                      <a:solidFill>
-                        <a:schemeClr val="tx1"/>
-                      </a:solidFill>
-                      <a:prstDash val="solid"/>
-                      <a:round/>
-                      <a:headEnd type="none" w="med" len="med"/>
-                      <a:tailEnd type="none" w="med" len="med"/>
-                    </a:lnT>
-                    <a:lnB w="12700" cap="flat" cmpd="sng" algn="ctr">
-                      <a:solidFill>
-                        <a:schemeClr val="tx1"/>
-                      </a:solidFill>
-                      <a:prstDash val="solid"/>
-                      <a:round/>
-                      <a:headEnd type="none" w="med" len="med"/>
-                      <a:tailEnd type="none" w="med" len="med"/>
-                    </a:lnB>
-                  </a:tcPr>
-                </a:tc>
-                <a:tc vMerge="1">
-                  <a:txBody>
-                    <a:bodyPr/>
-                    <a:lstStyle/>
-                    <a:p>
-                      <a:endParaRPr lang="en-US" dirty="0"/>
-                    </a:p>
-                  </a:txBody>
-                  <a:tcPr/>
-                </a:tc>
-                <a:extLst>
-                  <a:ext uri="{0D108BD9-81ED-4DB2-BD59-A6C34878D82A}">
-                    <a16:rowId xmlns:a16="http://schemas.microsoft.com/office/drawing/2014/main" val="1036932834"/>
-                  </a:ext>
-                </a:extLst>
-              </a:tr>
-              <a:tr h="370840">
-                <a:tc>
-                  <a:txBody>
-                    <a:bodyPr/>
-                    <a:lstStyle/>
-                    <a:p>
-                      <a:pPr algn="ctr"/>
-                      <a:r>
-                        <a:rPr lang="he-IL" sz="1800" kern="1200" dirty="0">
-                          <a:solidFill>
-                            <a:schemeClr val="dk1"/>
-                          </a:solidFill>
-                          <a:effectLst/>
-                          <a:latin typeface="David" panose="020E0502060401010101" pitchFamily="34" charset="-79"/>
-                          <a:ea typeface="+mn-ea"/>
-                          <a:cs typeface="David" panose="020E0502060401010101" pitchFamily="34" charset="-79"/>
-                        </a:rPr>
-                        <a:t>שליחת דיוור למייל על ביטול עסקה שבוצעה וחיוב עמלה שבוצע.</a:t>
-                      </a:r>
-                      <a:endParaRPr lang="en-US" dirty="0">
-                        <a:latin typeface="David" panose="020E0502060401010101" pitchFamily="34" charset="-79"/>
-                        <a:cs typeface="David" panose="020E0502060401010101" pitchFamily="34" charset="-79"/>
-                      </a:endParaRPr>
-                    </a:p>
-                  </a:txBody>
-                  <a:tcPr anchor="ctr">
-                    <a:lnL w="12700" cap="flat" cmpd="sng" algn="ctr">
-                      <a:solidFill>
-                        <a:schemeClr val="tx1"/>
-                      </a:solidFill>
-                      <a:prstDash val="solid"/>
-                      <a:round/>
-                      <a:headEnd type="none" w="med" len="med"/>
-                      <a:tailEnd type="none" w="med" len="med"/>
-                    </a:lnL>
-                    <a:lnR w="12700" cap="flat" cmpd="sng" algn="ctr">
-                      <a:solidFill>
-                        <a:schemeClr val="tx1"/>
-                      </a:solidFill>
-                      <a:prstDash val="solid"/>
-                      <a:round/>
-                      <a:headEnd type="none" w="med" len="med"/>
-                      <a:tailEnd type="none" w="med" len="med"/>
-                    </a:lnR>
-                    <a:lnT w="12700" cap="flat" cmpd="sng" algn="ctr">
-                      <a:solidFill>
-                        <a:schemeClr val="tx1"/>
-                      </a:solidFill>
-                      <a:prstDash val="solid"/>
-                      <a:round/>
-                      <a:headEnd type="none" w="med" len="med"/>
-                      <a:tailEnd type="none" w="med" len="med"/>
-                    </a:lnT>
-                    <a:lnB w="12700" cap="flat" cmpd="sng" algn="ctr">
-                      <a:solidFill>
-                        <a:schemeClr val="tx1"/>
-                      </a:solidFill>
-                      <a:prstDash val="solid"/>
-                      <a:round/>
-                      <a:headEnd type="none" w="med" len="med"/>
-                      <a:tailEnd type="none" w="med" len="med"/>
-                    </a:lnB>
-                  </a:tcPr>
-                </a:tc>
-                <a:tc>
-                  <a:txBody>
-                    <a:bodyPr/>
-                    <a:lstStyle/>
-                    <a:p>
-                      <a:pPr algn="ctr"/>
-                      <a:r>
-                        <a:rPr lang="he-IL" sz="1800" kern="1200" dirty="0">
-                          <a:solidFill>
-                            <a:schemeClr val="dk1"/>
-                          </a:solidFill>
-                          <a:effectLst/>
-                          <a:latin typeface="David" panose="020E0502060401010101" pitchFamily="34" charset="-79"/>
-                          <a:ea typeface="+mn-ea"/>
-                          <a:cs typeface="David" panose="020E0502060401010101" pitchFamily="34" charset="-79"/>
-                        </a:rPr>
-                        <a:t>שלח מייל ביטול הזמנה</a:t>
-                      </a:r>
-                      <a:endParaRPr lang="en-US" dirty="0">
-                        <a:latin typeface="David" panose="020E0502060401010101" pitchFamily="34" charset="-79"/>
-                        <a:cs typeface="David" panose="020E0502060401010101" pitchFamily="34" charset="-79"/>
-                      </a:endParaRPr>
-                    </a:p>
-                  </a:txBody>
-                  <a:tcPr anchor="ctr">
-                    <a:lnL w="12700" cap="flat" cmpd="sng" algn="ctr">
-                      <a:solidFill>
-                        <a:schemeClr val="tx1"/>
-                      </a:solidFill>
-                      <a:prstDash val="solid"/>
-                      <a:round/>
-                      <a:headEnd type="none" w="med" len="med"/>
-                      <a:tailEnd type="none" w="med" len="med"/>
-                    </a:lnL>
-                    <a:lnR w="12700" cap="flat" cmpd="sng" algn="ctr">
-                      <a:solidFill>
-                        <a:schemeClr val="tx1"/>
-                      </a:solidFill>
-                      <a:prstDash val="solid"/>
-                      <a:round/>
-                      <a:headEnd type="none" w="med" len="med"/>
-                      <a:tailEnd type="none" w="med" len="med"/>
-                    </a:lnR>
-                    <a:lnT w="12700" cap="flat" cmpd="sng" algn="ctr">
-                      <a:solidFill>
-                        <a:schemeClr val="tx1"/>
-                      </a:solidFill>
-                      <a:prstDash val="solid"/>
-                      <a:round/>
-                      <a:headEnd type="none" w="med" len="med"/>
-                      <a:tailEnd type="none" w="med" len="med"/>
-                    </a:lnT>
-                    <a:lnB w="12700" cap="flat" cmpd="sng" algn="ctr">
-                      <a:solidFill>
-                        <a:schemeClr val="tx1"/>
-                      </a:solidFill>
-                      <a:prstDash val="solid"/>
-                      <a:round/>
-                      <a:headEnd type="none" w="med" len="med"/>
-                      <a:tailEnd type="none" w="med" len="med"/>
-                    </a:lnB>
-                  </a:tcPr>
-                </a:tc>
-                <a:tc>
-                  <a:txBody>
-                    <a:bodyPr/>
-                    <a:lstStyle/>
-                    <a:p>
-                      <a:pPr algn="ctr"/>
-                      <a:r>
-                        <a:rPr lang="he-IL" dirty="0">
-                          <a:latin typeface="David" panose="020E0502060401010101" pitchFamily="34" charset="-79"/>
-                          <a:cs typeface="David" panose="020E0502060401010101" pitchFamily="34" charset="-79"/>
-                        </a:rPr>
-                        <a:t>5.2.1</a:t>
-                      </a:r>
-                      <a:endParaRPr lang="en-US" dirty="0">
-                        <a:latin typeface="David" panose="020E0502060401010101" pitchFamily="34" charset="-79"/>
-                        <a:cs typeface="David" panose="020E0502060401010101" pitchFamily="34" charset="-79"/>
-                      </a:endParaRPr>
-                    </a:p>
-                  </a:txBody>
-                  <a:tcPr anchor="ctr">
-                    <a:lnL w="12700" cap="flat" cmpd="sng" algn="ctr">
-                      <a:solidFill>
-                        <a:schemeClr val="tx1"/>
-                      </a:solidFill>
-                      <a:prstDash val="solid"/>
-                      <a:round/>
-                      <a:headEnd type="none" w="med" len="med"/>
-                      <a:tailEnd type="none" w="med" len="med"/>
-                    </a:lnL>
-                    <a:lnR w="12700" cap="flat" cmpd="sng" algn="ctr">
-                      <a:solidFill>
-                        <a:schemeClr val="tx1"/>
-                      </a:solidFill>
-                      <a:prstDash val="solid"/>
-                      <a:round/>
-                      <a:headEnd type="none" w="med" len="med"/>
-                      <a:tailEnd type="none" w="med" len="med"/>
-                    </a:lnR>
-                    <a:lnT w="12700" cap="flat" cmpd="sng" algn="ctr">
-                      <a:solidFill>
-                        <a:schemeClr val="tx1"/>
-                      </a:solidFill>
-                      <a:prstDash val="solid"/>
-                      <a:round/>
-                      <a:headEnd type="none" w="med" len="med"/>
-                      <a:tailEnd type="none" w="med" len="med"/>
-                    </a:lnT>
-                    <a:lnB w="12700" cap="flat" cmpd="sng" algn="ctr">
-                      <a:solidFill>
-                        <a:schemeClr val="tx1"/>
-                      </a:solidFill>
-                      <a:prstDash val="solid"/>
-                      <a:round/>
-                      <a:headEnd type="none" w="med" len="med"/>
-                      <a:tailEnd type="none" w="med" len="med"/>
-                    </a:lnB>
-                  </a:tcPr>
-                </a:tc>
-                <a:tc vMerge="1">
-                  <a:txBody>
-                    <a:bodyPr/>
-                    <a:lstStyle/>
-                    <a:p>
-                      <a:endParaRPr lang="en-US" dirty="0"/>
-                    </a:p>
-                  </a:txBody>
-                  <a:tcPr/>
-                </a:tc>
-                <a:extLst>
-                  <a:ext uri="{0D108BD9-81ED-4DB2-BD59-A6C34878D82A}">
-                    <a16:rowId xmlns:a16="http://schemas.microsoft.com/office/drawing/2014/main" val="1419674436"/>
-                  </a:ext>
-                </a:extLst>
-              </a:tr>
-            </a:tbl>
-          </a:graphicData>
-        </a:graphic>
-      </p:graphicFrame>
-    </p:spTree>
-    <p:extLst>
-      <p:ext uri="{BB962C8B-B14F-4D97-AF65-F5344CB8AC3E}">
-        <p14:creationId xmlns:p14="http://schemas.microsoft.com/office/powerpoint/2010/main" val="2852147867"/>
-      </p:ext>
-    </p:extLst>
-  </p:cSld>
-  <p:clrMapOvr>
-    <a:masterClrMapping/>
-  </p:clrMapOvr>
-  <p:timing>
-    <p:tnLst>
-      <p:par>
-        <p:cTn id="1" dur="indefinite" restart="never" nodeType="tmRoot"/>
-      </p:par>
-    </p:tnLst>
-  </p:timing>
-</p:sld>
-</file>
-
-<file path=ppt/slides/slide9.xml><?xml version="1.0" encoding="utf-8"?>
-<p:sld xmlns:a="http://schemas.openxmlformats.org/drawingml/2006/main" xmlns:r="http://schemas.openxmlformats.org/officeDocument/2006/relationships" xmlns:p="http://schemas.openxmlformats.org/presentationml/2006/main">
-  <p:cSld>
-    <p:spTree>
-      <p:nvGrpSpPr>
-        <p:cNvPr id="1" name=""/>
-        <p:cNvGrpSpPr/>
-        <p:nvPr/>
-      </p:nvGrpSpPr>
-      <p:grpSpPr>
-        <a:xfrm>
-          <a:off x="0" y="0"/>
-          <a:ext cx="0" cy="0"/>
-          <a:chOff x="0" y="0"/>
-          <a:chExt cx="0" cy="0"/>
-        </a:xfrm>
-      </p:grpSpPr>
-      <p:sp>
-        <p:nvSpPr>
-          <p:cNvPr id="2" name="Title 1"/>
-          <p:cNvSpPr>
-            <a:spLocks noGrp="1"/>
-          </p:cNvSpPr>
-          <p:nvPr>
-            <p:ph type="title"/>
-          </p:nvPr>
-        </p:nvSpPr>
-        <p:spPr/>
-        <p:txBody>
-          <a:bodyPr/>
-          <a:lstStyle/>
-          <a:p>
-            <a:pPr algn="just"/>
-            <a:r>
-              <a:rPr lang="he-IL" b="1" dirty="0">
-                <a:solidFill>
-                  <a:schemeClr val="tx2">
-                    <a:lumMod val="50000"/>
-                  </a:schemeClr>
-                </a:solidFill>
-                <a:latin typeface="David" panose="020E0502060401010101" pitchFamily="34" charset="-79"/>
-                <a:cs typeface="David" panose="020E0502060401010101" pitchFamily="34" charset="-79"/>
-              </a:rPr>
-              <a:t>המערכת שלנו - המשך</a:t>
-            </a:r>
-            <a:endParaRPr lang="en-US" dirty="0"/>
-          </a:p>
-        </p:txBody>
-      </p:sp>
-      <p:graphicFrame>
-        <p:nvGraphicFramePr>
-          <p:cNvPr id="4" name="Content Placeholder 3"/>
-          <p:cNvGraphicFramePr>
-            <a:graphicFrameLocks noGrp="1"/>
-          </p:cNvGraphicFramePr>
-          <p:nvPr>
-            <p:ph idx="1"/>
-            <p:extLst>
-              <p:ext uri="{D42A27DB-BD31-4B8C-83A1-F6EECF244321}">
                 <p14:modId xmlns:p14="http://schemas.microsoft.com/office/powerpoint/2010/main" val="3095885152"/>
               </p:ext>
             </p:extLst>
@@ -14451,6 +12260,434 @@
     <p:extLst>
       <p:ext uri="{BB962C8B-B14F-4D97-AF65-F5344CB8AC3E}">
         <p14:creationId xmlns:p14="http://schemas.microsoft.com/office/powerpoint/2010/main" val="4098594418"/>
+      </p:ext>
+    </p:extLst>
+  </p:cSld>
+  <p:clrMapOvr>
+    <a:masterClrMapping/>
+  </p:clrMapOvr>
+  <p:timing>
+    <p:tnLst>
+      <p:par>
+        <p:cTn id="1" dur="indefinite" restart="never" nodeType="tmRoot"/>
+      </p:par>
+    </p:tnLst>
+  </p:timing>
+</p:sld>
+</file>
+
+<file path=ppt/slides/slide9.xml><?xml version="1.0" encoding="utf-8"?>
+<p:sld xmlns:a="http://schemas.openxmlformats.org/drawingml/2006/main" xmlns:r="http://schemas.openxmlformats.org/officeDocument/2006/relationships" xmlns:p="http://schemas.openxmlformats.org/presentationml/2006/main">
+  <p:cSld>
+    <p:spTree>
+      <p:nvGrpSpPr>
+        <p:cNvPr id="1" name=""/>
+        <p:cNvGrpSpPr/>
+        <p:nvPr/>
+      </p:nvGrpSpPr>
+      <p:grpSpPr>
+        <a:xfrm>
+          <a:off x="0" y="0"/>
+          <a:ext cx="0" cy="0"/>
+          <a:chOff x="0" y="0"/>
+          <a:chExt cx="0" cy="0"/>
+        </a:xfrm>
+      </p:grpSpPr>
+      <p:sp>
+        <p:nvSpPr>
+          <p:cNvPr id="2" name="Title 1"/>
+          <p:cNvSpPr>
+            <a:spLocks noGrp="1"/>
+          </p:cNvSpPr>
+          <p:nvPr>
+            <p:ph type="title"/>
+          </p:nvPr>
+        </p:nvSpPr>
+        <p:spPr>
+          <a:xfrm>
+            <a:off x="819397" y="286603"/>
+            <a:ext cx="10336283" cy="1559131"/>
+          </a:xfrm>
+        </p:spPr>
+        <p:txBody>
+          <a:bodyPr>
+            <a:normAutofit/>
+          </a:bodyPr>
+          <a:lstStyle/>
+          <a:p>
+            <a:pPr algn="r"/>
+            <a:r>
+              <a:rPr lang="en-US" b="1" dirty="0">
+                <a:solidFill>
+                  <a:schemeClr val="tx2">
+                    <a:lumMod val="50000"/>
+                  </a:schemeClr>
+                </a:solidFill>
+                <a:latin typeface="David" panose="020E0502060401010101" pitchFamily="34" charset="-79"/>
+                <a:cs typeface="David" panose="020E0502060401010101" pitchFamily="34" charset="-79"/>
+              </a:rPr>
+              <a:t>Use Case</a:t>
+            </a:r>
+            <a:r>
+              <a:rPr lang="he-IL" b="1" dirty="0">
+                <a:solidFill>
+                  <a:schemeClr val="tx2">
+                    <a:lumMod val="50000"/>
+                  </a:schemeClr>
+                </a:solidFill>
+                <a:latin typeface="David" panose="020E0502060401010101" pitchFamily="34" charset="-79"/>
+                <a:cs typeface="David" panose="020E0502060401010101" pitchFamily="34" charset="-79"/>
+              </a:rPr>
+              <a:t> </a:t>
+            </a:r>
+            <a:r>
+              <a:rPr lang="en-US" b="1" dirty="0">
+                <a:solidFill>
+                  <a:schemeClr val="tx2">
+                    <a:lumMod val="50000"/>
+                  </a:schemeClr>
+                </a:solidFill>
+                <a:latin typeface="David" panose="020E0502060401010101" pitchFamily="34" charset="-79"/>
+                <a:cs typeface="David" panose="020E0502060401010101" pitchFamily="34" charset="-79"/>
+              </a:rPr>
+              <a:t> </a:t>
+            </a:r>
+            <a:r>
+              <a:rPr lang="he-IL" b="1" dirty="0">
+                <a:solidFill>
+                  <a:schemeClr val="tx2">
+                    <a:lumMod val="50000"/>
+                  </a:schemeClr>
+                </a:solidFill>
+                <a:latin typeface="David" panose="020E0502060401010101" pitchFamily="34" charset="-79"/>
+                <a:cs typeface="David" panose="020E0502060401010101" pitchFamily="34" charset="-79"/>
+              </a:rPr>
+              <a:t>לדוגמא -</a:t>
+            </a:r>
+            <a:r>
+              <a:rPr lang="en-US" b="1" dirty="0">
+                <a:solidFill>
+                  <a:schemeClr val="tx2">
+                    <a:lumMod val="50000"/>
+                  </a:schemeClr>
+                </a:solidFill>
+                <a:latin typeface="David" panose="020E0502060401010101" pitchFamily="34" charset="-79"/>
+                <a:cs typeface="David" panose="020E0502060401010101" pitchFamily="34" charset="-79"/>
+              </a:rPr>
+              <a:t> </a:t>
+            </a:r>
+            <a:r>
+              <a:rPr lang="he-IL" b="1" dirty="0">
+                <a:solidFill>
+                  <a:schemeClr val="tx2">
+                    <a:lumMod val="50000"/>
+                  </a:schemeClr>
+                </a:solidFill>
+                <a:latin typeface="David" panose="020E0502060401010101" pitchFamily="34" charset="-79"/>
+                <a:cs typeface="David" panose="020E0502060401010101" pitchFamily="34" charset="-79"/>
+              </a:rPr>
+              <a:t>בצע חיפוש מודעות (2.2)</a:t>
+            </a:r>
+            <a:endParaRPr lang="en-US" b="1" dirty="0">
+              <a:solidFill>
+                <a:schemeClr val="tx2">
+                  <a:lumMod val="50000"/>
+                </a:schemeClr>
+              </a:solidFill>
+              <a:latin typeface="David" panose="020E0502060401010101" pitchFamily="34" charset="-79"/>
+              <a:cs typeface="David" panose="020E0502060401010101" pitchFamily="34" charset="-79"/>
+            </a:endParaRPr>
+          </a:p>
+        </p:txBody>
+      </p:sp>
+      <p:sp>
+        <p:nvSpPr>
+          <p:cNvPr id="3" name="Content Placeholder 2"/>
+          <p:cNvSpPr>
+            <a:spLocks noGrp="1"/>
+          </p:cNvSpPr>
+          <p:nvPr>
+            <p:ph idx="1"/>
+          </p:nvPr>
+        </p:nvSpPr>
+        <p:spPr>
+          <a:xfrm>
+            <a:off x="522514" y="1845734"/>
+            <a:ext cx="10633165" cy="4258183"/>
+          </a:xfrm>
+        </p:spPr>
+        <p:txBody>
+          <a:bodyPr>
+            <a:noAutofit/>
+          </a:bodyPr>
+          <a:lstStyle/>
+          <a:p>
+            <a:pPr>
+              <a:lnSpc>
+                <a:spcPct val="100000"/>
+              </a:lnSpc>
+            </a:pPr>
+            <a:r>
+              <a:rPr lang="he-IL" sz="1800" b="1" dirty="0">
+                <a:solidFill>
+                  <a:schemeClr val="tx1"/>
+                </a:solidFill>
+                <a:latin typeface="David" panose="020E0502060401010101" pitchFamily="34" charset="-79"/>
+                <a:cs typeface="David" panose="020E0502060401010101" pitchFamily="34" charset="-79"/>
+              </a:rPr>
+              <a:t>שחקנים</a:t>
+            </a:r>
+            <a:r>
+              <a:rPr lang="he-IL" sz="1800" dirty="0">
+                <a:solidFill>
+                  <a:schemeClr val="tx1"/>
+                </a:solidFill>
+                <a:latin typeface="David" panose="020E0502060401010101" pitchFamily="34" charset="-79"/>
+                <a:cs typeface="David" panose="020E0502060401010101" pitchFamily="34" charset="-79"/>
+              </a:rPr>
+              <a:t>: הורים, </a:t>
+            </a:r>
+            <a:r>
+              <a:rPr lang="he-IL" sz="1800" dirty="0" err="1">
+                <a:solidFill>
+                  <a:schemeClr val="tx1"/>
+                </a:solidFill>
+                <a:latin typeface="David" panose="020E0502060401010101" pitchFamily="34" charset="-79"/>
+                <a:cs typeface="David" panose="020E0502060401010101" pitchFamily="34" charset="-79"/>
+              </a:rPr>
+              <a:t>בייביסיטרים</a:t>
+            </a:r>
+            <a:r>
+              <a:rPr lang="he-IL" sz="1800" dirty="0">
+                <a:solidFill>
+                  <a:schemeClr val="tx1"/>
+                </a:solidFill>
+                <a:latin typeface="David" panose="020E0502060401010101" pitchFamily="34" charset="-79"/>
+                <a:cs typeface="David" panose="020E0502060401010101" pitchFamily="34" charset="-79"/>
+              </a:rPr>
+              <a:t>, מערכת. </a:t>
+            </a:r>
+            <a:r>
+              <a:rPr lang="en-US" sz="1800" b="1" dirty="0">
+                <a:solidFill>
+                  <a:schemeClr val="tx1"/>
+                </a:solidFill>
+                <a:latin typeface="David" panose="020E0502060401010101" pitchFamily="34" charset="-79"/>
+                <a:cs typeface="David" panose="020E0502060401010101" pitchFamily="34" charset="-79"/>
+              </a:rPr>
+              <a:t>Trigger</a:t>
+            </a:r>
+            <a:r>
+              <a:rPr lang="he-IL" sz="1800" dirty="0">
+                <a:solidFill>
+                  <a:schemeClr val="tx1"/>
+                </a:solidFill>
+                <a:latin typeface="David" panose="020E0502060401010101" pitchFamily="34" charset="-79"/>
+                <a:cs typeface="David" panose="020E0502060401010101" pitchFamily="34" charset="-79"/>
+              </a:rPr>
+              <a:t>: הורים מעוניינים למצוא בייביסיטר על פי המודעות המפורסמות באתר.</a:t>
+            </a:r>
+            <a:r>
+              <a:rPr lang="en-US" sz="1800" dirty="0">
+                <a:solidFill>
+                  <a:schemeClr val="tx1"/>
+                </a:solidFill>
+                <a:latin typeface="David" panose="020E0502060401010101" pitchFamily="34" charset="-79"/>
+                <a:cs typeface="David" panose="020E0502060401010101" pitchFamily="34" charset="-79"/>
+              </a:rPr>
+              <a:t/>
+            </a:r>
+            <a:br>
+              <a:rPr lang="en-US" sz="1800" dirty="0">
+                <a:solidFill>
+                  <a:schemeClr val="tx1"/>
+                </a:solidFill>
+                <a:latin typeface="David" panose="020E0502060401010101" pitchFamily="34" charset="-79"/>
+                <a:cs typeface="David" panose="020E0502060401010101" pitchFamily="34" charset="-79"/>
+              </a:rPr>
+            </a:br>
+            <a:r>
+              <a:rPr lang="he-IL" sz="1800" b="1" dirty="0">
+                <a:solidFill>
+                  <a:schemeClr val="tx1"/>
+                </a:solidFill>
+                <a:latin typeface="David" panose="020E0502060401010101" pitchFamily="34" charset="-79"/>
+                <a:cs typeface="David" panose="020E0502060401010101" pitchFamily="34" charset="-79"/>
+              </a:rPr>
+              <a:t>תיאור מתומצת</a:t>
+            </a:r>
+            <a:r>
+              <a:rPr lang="he-IL" sz="1800" dirty="0">
+                <a:solidFill>
+                  <a:schemeClr val="tx1"/>
+                </a:solidFill>
+                <a:latin typeface="David" panose="020E0502060401010101" pitchFamily="34" charset="-79"/>
+                <a:cs typeface="David" panose="020E0502060401010101" pitchFamily="34" charset="-79"/>
+              </a:rPr>
+              <a:t>: אופן ביצוע חיפוש מודעה לבייביסיטר. </a:t>
+            </a:r>
+          </a:p>
+          <a:p>
+            <a:pPr>
+              <a:lnSpc>
+                <a:spcPct val="100000"/>
+              </a:lnSpc>
+            </a:pPr>
+            <a:r>
+              <a:rPr lang="he-IL" sz="1800" b="1" u="sng" dirty="0">
+                <a:solidFill>
+                  <a:schemeClr val="tx1"/>
+                </a:solidFill>
+                <a:latin typeface="David" panose="020E0502060401010101" pitchFamily="34" charset="-79"/>
+                <a:cs typeface="David" panose="020E0502060401010101" pitchFamily="34" charset="-79"/>
+              </a:rPr>
+              <a:t>מסלול בסיסי</a:t>
+            </a:r>
+            <a:r>
+              <a:rPr lang="he-IL" sz="1800" u="sng" dirty="0">
+                <a:solidFill>
+                  <a:schemeClr val="tx1"/>
+                </a:solidFill>
+                <a:latin typeface="David" panose="020E0502060401010101" pitchFamily="34" charset="-79"/>
+                <a:cs typeface="David" panose="020E0502060401010101" pitchFamily="34" charset="-79"/>
+              </a:rPr>
+              <a:t>:</a:t>
+            </a:r>
+            <a:endParaRPr lang="en-US" sz="1800" u="sng" dirty="0">
+              <a:solidFill>
+                <a:schemeClr val="tx1"/>
+              </a:solidFill>
+              <a:latin typeface="David" panose="020E0502060401010101" pitchFamily="34" charset="-79"/>
+              <a:cs typeface="David" panose="020E0502060401010101" pitchFamily="34" charset="-79"/>
+            </a:endParaRPr>
+          </a:p>
+          <a:p>
+            <a:pPr marL="457200" lvl="0" indent="-457200">
+              <a:lnSpc>
+                <a:spcPct val="100000"/>
+              </a:lnSpc>
+              <a:buFont typeface="+mj-lt"/>
+              <a:buAutoNum type="arabicPeriod"/>
+            </a:pPr>
+            <a:r>
+              <a:rPr lang="he-IL" sz="1800" dirty="0">
+                <a:solidFill>
+                  <a:schemeClr val="tx1"/>
+                </a:solidFill>
+                <a:latin typeface="David" panose="020E0502060401010101" pitchFamily="34" charset="-79"/>
+                <a:cs typeface="David" panose="020E0502060401010101" pitchFamily="34" charset="-79"/>
+              </a:rPr>
+              <a:t>ההורה יכנס למסך החיפוש באתר.</a:t>
+            </a:r>
+          </a:p>
+          <a:p>
+            <a:pPr marL="457200" lvl="0" indent="-457200">
+              <a:lnSpc>
+                <a:spcPct val="100000"/>
+              </a:lnSpc>
+              <a:buFont typeface="+mj-lt"/>
+              <a:buAutoNum type="arabicPeriod"/>
+            </a:pPr>
+            <a:r>
+              <a:rPr lang="he-IL" sz="1800" dirty="0">
+                <a:solidFill>
+                  <a:schemeClr val="tx1"/>
+                </a:solidFill>
+                <a:latin typeface="David" panose="020E0502060401010101" pitchFamily="34" charset="-79"/>
+                <a:cs typeface="David" panose="020E0502060401010101" pitchFamily="34" charset="-79"/>
+              </a:rPr>
+              <a:t>המערכת תפתח את מסך החיפוש.</a:t>
+            </a:r>
+          </a:p>
+          <a:p>
+            <a:pPr marL="457200" lvl="0" indent="-457200">
+              <a:lnSpc>
+                <a:spcPct val="100000"/>
+              </a:lnSpc>
+              <a:buFont typeface="+mj-lt"/>
+              <a:buAutoNum type="arabicPeriod"/>
+            </a:pPr>
+            <a:r>
+              <a:rPr lang="he-IL" sz="1800" dirty="0">
+                <a:solidFill>
+                  <a:schemeClr val="tx1"/>
+                </a:solidFill>
+                <a:latin typeface="David" panose="020E0502060401010101" pitchFamily="34" charset="-79"/>
+                <a:cs typeface="David" panose="020E0502060401010101" pitchFamily="34" charset="-79"/>
+              </a:rPr>
+              <a:t>ההורה יזין את הפרמטרים הרצויים.</a:t>
+            </a:r>
+          </a:p>
+          <a:p>
+            <a:pPr marL="457200" lvl="0" indent="-457200">
+              <a:lnSpc>
+                <a:spcPct val="100000"/>
+              </a:lnSpc>
+              <a:buFont typeface="+mj-lt"/>
+              <a:buAutoNum type="arabicPeriod"/>
+            </a:pPr>
+            <a:r>
+              <a:rPr lang="he-IL" sz="1800" dirty="0">
+                <a:solidFill>
+                  <a:schemeClr val="tx1"/>
+                </a:solidFill>
+                <a:latin typeface="David" panose="020E0502060401010101" pitchFamily="34" charset="-79"/>
+                <a:cs typeface="David" panose="020E0502060401010101" pitchFamily="34" charset="-79"/>
+              </a:rPr>
+              <a:t>המערכת תמצא ותציג להורה את המודעות לפי הפרמטרים שההורה סינן.</a:t>
+            </a:r>
+          </a:p>
+          <a:p>
+            <a:pPr marL="457200" lvl="0" indent="-457200">
+              <a:lnSpc>
+                <a:spcPct val="100000"/>
+              </a:lnSpc>
+              <a:buFont typeface="+mj-lt"/>
+              <a:buAutoNum type="arabicPeriod"/>
+            </a:pPr>
+            <a:r>
+              <a:rPr lang="he-IL" sz="1800" dirty="0">
+                <a:solidFill>
+                  <a:schemeClr val="tx1"/>
+                </a:solidFill>
+                <a:latin typeface="David" panose="020E0502060401010101" pitchFamily="34" charset="-79"/>
+                <a:cs typeface="David" panose="020E0502060401010101" pitchFamily="34" charset="-79"/>
+              </a:rPr>
+              <a:t>ההורה/בייביסיטר יכנס למודעה שעונה על כל הצרכים שלו או ההורה/הבייביסיטר ילחץ על כפתור "הבא" על מנת לעבור לתוצאה הבאה בחיפוש.</a:t>
+            </a:r>
+          </a:p>
+          <a:p>
+            <a:pPr marL="457200" lvl="0" indent="-457200">
+              <a:lnSpc>
+                <a:spcPct val="100000"/>
+              </a:lnSpc>
+              <a:buFont typeface="+mj-lt"/>
+              <a:buAutoNum type="arabicPeriod"/>
+            </a:pPr>
+            <a:r>
+              <a:rPr lang="he-IL" sz="1800" dirty="0">
+                <a:solidFill>
+                  <a:schemeClr val="tx1"/>
+                </a:solidFill>
+                <a:latin typeface="David" panose="020E0502060401010101" pitchFamily="34" charset="-79"/>
+                <a:cs typeface="David" panose="020E0502060401010101" pitchFamily="34" charset="-79"/>
+              </a:rPr>
+              <a:t>המערכת תציג בפני ההורה את המודעה הרלוונטית.</a:t>
+            </a:r>
+            <a:endParaRPr lang="en-US" sz="1800" dirty="0">
+              <a:solidFill>
+                <a:schemeClr val="tx1"/>
+              </a:solidFill>
+              <a:latin typeface="David" panose="020E0502060401010101" pitchFamily="34" charset="-79"/>
+              <a:cs typeface="David" panose="020E0502060401010101" pitchFamily="34" charset="-79"/>
+            </a:endParaRPr>
+          </a:p>
+        </p:txBody>
+      </p:sp>
+    </p:spTree>
+    <p:extLst>
+      <p:ext uri="{BB962C8B-B14F-4D97-AF65-F5344CB8AC3E}">
+        <p14:creationId xmlns:p14="http://schemas.microsoft.com/office/powerpoint/2010/main" val="3893590373"/>
       </p:ext>
     </p:extLst>
   </p:cSld>

--- a/מערכת תיאום שירותי בייביסיטר -מצגת.pptx
+++ b/מערכת תיאום שירותי בייביסיטר -מצגת.pptx
@@ -5215,8 +5215,8 @@
           <a:p>
             <a:pPr algn="r"/>
             <a:r>
-              <a:rPr lang="he-IL" dirty="0" smtClean="0"/>
-              <a:t>הצגת מסכים של ה- </a:t>
+              <a:rPr lang="he-IL" b="1" dirty="0" smtClean="0"/>
+              <a:t>מסכי ה- </a:t>
             </a:r>
             <a:r>
               <a:rPr lang="en-US" b="1" dirty="0">
@@ -5242,7 +5242,7 @@
               </a:rPr>
               <a:t> </a:t>
             </a:r>
-            <a:endParaRPr lang="en-US" dirty="0"/>
+            <a:endParaRPr lang="en-US" b="1" dirty="0"/>
           </a:p>
         </p:txBody>
       </p:sp>
@@ -5482,8 +5482,8 @@
         </p:blipFill>
         <p:spPr>
           <a:xfrm>
-            <a:off x="91909" y="653143"/>
-            <a:ext cx="11795290" cy="5593278"/>
+            <a:off x="1223158" y="653143"/>
+            <a:ext cx="9932521" cy="5593278"/>
           </a:xfrm>
           <a:prstGeom prst="rect">
             <a:avLst/>
@@ -5529,30 +5529,6 @@
       </p:grpSpPr>
       <p:sp>
         <p:nvSpPr>
-          <p:cNvPr id="2" name="Title 1"/>
-          <p:cNvSpPr>
-            <a:spLocks noGrp="1"/>
-          </p:cNvSpPr>
-          <p:nvPr>
-            <p:ph type="title"/>
-          </p:nvPr>
-        </p:nvSpPr>
-        <p:spPr/>
-        <p:txBody>
-          <a:bodyPr/>
-          <a:lstStyle/>
-          <a:p>
-            <a:pPr algn="r"/>
-            <a:r>
-              <a:rPr lang="he-IL" dirty="0" smtClean="0"/>
-              <a:t>מודל הטבלאי של המערכת</a:t>
-            </a:r>
-            <a:endParaRPr lang="en-US" dirty="0"/>
-          </a:p>
-        </p:txBody>
-      </p:sp>
-      <p:sp>
-        <p:nvSpPr>
           <p:cNvPr id="4" name="Date Placeholder 3"/>
           <p:cNvSpPr>
             <a:spLocks noGrp="1"/>
@@ -5634,14 +5610,81 @@
         </p:blipFill>
         <p:spPr>
           <a:xfrm>
-            <a:off x="3686185" y="1780989"/>
-            <a:ext cx="5562600" cy="4406055"/>
+            <a:off x="1330036" y="644827"/>
+            <a:ext cx="10265032" cy="5684720"/>
           </a:xfrm>
           <a:prstGeom prst="rect">
             <a:avLst/>
           </a:prstGeom>
         </p:spPr>
       </p:pic>
+      <p:sp>
+        <p:nvSpPr>
+          <p:cNvPr id="9" name="Title 1"/>
+          <p:cNvSpPr txBox="1">
+            <a:spLocks/>
+          </p:cNvSpPr>
+          <p:nvPr/>
+        </p:nvSpPr>
+        <p:spPr>
+          <a:xfrm>
+            <a:off x="1097280" y="95002"/>
+            <a:ext cx="10058400" cy="668581"/>
+          </a:xfrm>
+          <a:prstGeom prst="rect">
+            <a:avLst/>
+          </a:prstGeom>
+        </p:spPr>
+        <p:txBody>
+          <a:bodyPr vert="horz" lIns="91440" tIns="45720" rIns="91440" bIns="45720" rtlCol="0" anchor="b">
+            <a:normAutofit fontScale="97500" lnSpcReduction="10000"/>
+          </a:bodyPr>
+          <a:lstStyle>
+            <a:lvl1pPr algn="l" defTabSz="914400" rtl="1" eaLnBrk="1" latinLnBrk="0" hangingPunct="1">
+              <a:lnSpc>
+                <a:spcPct val="85000"/>
+              </a:lnSpc>
+              <a:spcBef>
+                <a:spcPct val="0"/>
+              </a:spcBef>
+              <a:buNone/>
+              <a:defRPr sz="4800" kern="1200" spc="-50" baseline="0">
+                <a:solidFill>
+                  <a:schemeClr val="tx1">
+                    <a:lumMod val="75000"/>
+                    <a:lumOff val="25000"/>
+                  </a:schemeClr>
+                </a:solidFill>
+                <a:latin typeface="+mj-lt"/>
+                <a:ea typeface="+mj-ea"/>
+                <a:cs typeface="+mj-cs"/>
+              </a:defRPr>
+            </a:lvl1pPr>
+          </a:lstStyle>
+          <a:p>
+            <a:pPr algn="r"/>
+            <a:r>
+              <a:rPr lang="he-IL" b="1" dirty="0" smtClean="0">
+                <a:solidFill>
+                  <a:schemeClr val="tx2">
+                    <a:lumMod val="50000"/>
+                  </a:schemeClr>
+                </a:solidFill>
+                <a:latin typeface="David" panose="020E0502060401010101" pitchFamily="34" charset="-79"/>
+                <a:cs typeface="David" panose="020E0502060401010101" pitchFamily="34" charset="-79"/>
+              </a:rPr>
+              <a:t>מודל טבלאי</a:t>
+            </a:r>
+            <a:endParaRPr lang="en-US" b="1" dirty="0">
+              <a:solidFill>
+                <a:srgbClr val="FF0000"/>
+              </a:solidFill>
+              <a:latin typeface="David" panose="020E0502060401010101" pitchFamily="34" charset="-79"/>
+              <a:cs typeface="David" panose="020E0502060401010101" pitchFamily="34" charset="-79"/>
+            </a:endParaRPr>
+          </a:p>
+        </p:txBody>
+      </p:sp>
     </p:spTree>
     <p:extLst>
       <p:ext uri="{BB962C8B-B14F-4D97-AF65-F5344CB8AC3E}">
@@ -8385,36 +8428,6 @@
           <a:chExt cx="0" cy="0"/>
         </a:xfrm>
       </p:grpSpPr>
-      <p:sp>
-        <p:nvSpPr>
-          <p:cNvPr id="2" name="Title 1"/>
-          <p:cNvSpPr>
-            <a:spLocks noGrp="1"/>
-          </p:cNvSpPr>
-          <p:nvPr>
-            <p:ph type="title"/>
-          </p:nvPr>
-        </p:nvSpPr>
-        <p:spPr/>
-        <p:txBody>
-          <a:bodyPr>
-            <a:normAutofit/>
-          </a:bodyPr>
-          <a:lstStyle/>
-          <a:p>
-            <a:pPr algn="just"/>
-            <a:endParaRPr lang="he-IL" b="1" dirty="0">
-              <a:solidFill>
-                <a:schemeClr val="tx2">
-                  <a:lumMod val="50000"/>
-                </a:schemeClr>
-              </a:solidFill>
-              <a:latin typeface="David" panose="020E0502060401010101" pitchFamily="34" charset="-79"/>
-              <a:cs typeface="David" panose="020E0502060401010101" pitchFamily="34" charset="-79"/>
-            </a:endParaRPr>
-          </a:p>
-        </p:txBody>
-      </p:sp>
       <p:sp>
         <p:nvSpPr>
           <p:cNvPr id="5" name="Content Placeholder 4"/>

--- a/מערכת תיאום שירותי בייביסיטר -מצגת.pptx
+++ b/מערכת תיאום שירותי בייביסיטר -מצגת.pptx
@@ -5247,17 +5247,7 @@
                 <a:latin typeface="David" panose="020E0502060401010101" pitchFamily="34" charset="-79"/>
                 <a:cs typeface="David" panose="020E0502060401010101" pitchFamily="34" charset="-79"/>
               </a:rPr>
-              <a:t>ההורה/בייביסיטר יכנס למודעה שעונה על כל הצרכים שלו ולאחר מכן יוצג חלון המציג ביצוע </a:t>
-            </a:r>
-            <a:r>
-              <a:rPr lang="he-IL" sz="1800" dirty="0">
-                <a:solidFill>
-                  <a:schemeClr val="tx1"/>
-                </a:solidFill>
-                <a:latin typeface="David" panose="020E0502060401010101" pitchFamily="34" charset="-79"/>
-                <a:cs typeface="David" panose="020E0502060401010101" pitchFamily="34" charset="-79"/>
-              </a:rPr>
-              <a:t>תשלום.</a:t>
+              <a:t>ההורה/בייביסיטר יכנס למודעה שעונה על כל הצרכים שלו ולאחר מכן יוצג חלון המציג ביצוע תשלום.</a:t>
             </a:r>
             <a:endParaRPr lang="en-US" sz="1800" dirty="0">
               <a:solidFill>
@@ -8755,14 +8745,19 @@
             <p:ph idx="1"/>
           </p:nvPr>
         </p:nvSpPr>
-        <p:spPr/>
+        <p:spPr>
+          <a:xfrm>
+            <a:off x="1097280" y="1845734"/>
+            <a:ext cx="10058400" cy="4329435"/>
+          </a:xfrm>
+        </p:spPr>
         <p:txBody>
           <a:bodyPr>
-            <a:normAutofit fontScale="92500" lnSpcReduction="10000"/>
+            <a:normAutofit fontScale="92500" lnSpcReduction="20000"/>
           </a:bodyPr>
           <a:lstStyle/>
           <a:p>
-            <a:pPr marL="457200" indent="-457200">
+            <a:pPr marL="457200" indent="-457200" algn="just">
               <a:lnSpc>
                 <a:spcPct val="150000"/>
               </a:lnSpc>
@@ -8777,7 +8772,7 @@
                 <a:latin typeface="David" panose="020E0502060401010101" pitchFamily="34" charset="-79"/>
                 <a:cs typeface="David" panose="020E0502060401010101" pitchFamily="34" charset="-79"/>
               </a:rPr>
-              <a:t>שוק </a:t>
+              <a:t>השוק כיום מבוסס </a:t>
             </a:r>
             <a:r>
               <a:rPr lang="he-IL" sz="2400" b="1" i="1" dirty="0">
@@ -8787,7 +8782,7 @@
                 <a:latin typeface="David" panose="020E0502060401010101" pitchFamily="34" charset="-79"/>
                 <a:cs typeface="David" panose="020E0502060401010101" pitchFamily="34" charset="-79"/>
               </a:rPr>
-              <a:t>מבוסס על המלצות "מפה </a:t>
+              <a:t>על המלצות "מפה </a:t>
             </a:r>
             <a:r>
               <a:rPr lang="he-IL" sz="2400" b="1" i="1" dirty="0" smtClean="0">
@@ -8797,7 +8792,185 @@
                 <a:latin typeface="David" panose="020E0502060401010101" pitchFamily="34" charset="-79"/>
                 <a:cs typeface="David" panose="020E0502060401010101" pitchFamily="34" charset="-79"/>
               </a:rPr>
-              <a:t>לאוזן":</a:t>
+              <a:t>לאוזן"</a:t>
+            </a:r>
+          </a:p>
+          <a:p>
+            <a:pPr marL="475488" lvl="2" indent="0" algn="just">
+              <a:lnSpc>
+                <a:spcPct val="150000"/>
+              </a:lnSpc>
+              <a:buNone/>
+            </a:pPr>
+            <a:r>
+              <a:rPr lang="he-IL" sz="2100" dirty="0" smtClean="0">
+                <a:solidFill>
+                  <a:schemeClr val="tx1"/>
+                </a:solidFill>
+                <a:latin typeface="David" panose="020E0502060401010101" pitchFamily="34" charset="-79"/>
+                <a:cs typeface="David" panose="020E0502060401010101" pitchFamily="34" charset="-79"/>
+              </a:rPr>
+              <a:t>הפלטפורמה שנבנתה משמשת כיום כקרש קפיצה מהפכני לשילוב באתר אחד של </a:t>
+            </a:r>
+            <a:r>
+              <a:rPr lang="he-IL" sz="2100" dirty="0" smtClean="0">
+                <a:solidFill>
+                  <a:schemeClr val="tx1"/>
+                </a:solidFill>
+                <a:latin typeface="David" panose="020E0502060401010101" pitchFamily="34" charset="-79"/>
+                <a:cs typeface="David" panose="020E0502060401010101" pitchFamily="34" charset="-79"/>
+              </a:rPr>
+              <a:t>כל </a:t>
+            </a:r>
+            <a:r>
+              <a:rPr lang="he-IL" sz="2100" dirty="0">
+                <a:solidFill>
+                  <a:schemeClr val="tx1"/>
+                </a:solidFill>
+                <a:latin typeface="David" panose="020E0502060401010101" pitchFamily="34" charset="-79"/>
+                <a:cs typeface="David" panose="020E0502060401010101" pitchFamily="34" charset="-79"/>
+              </a:rPr>
+              <a:t>המידע שהורים או </a:t>
+            </a:r>
+            <a:r>
+              <a:rPr lang="he-IL" sz="2100" dirty="0" err="1" smtClean="0">
+                <a:solidFill>
+                  <a:schemeClr val="tx1"/>
+                </a:solidFill>
+                <a:latin typeface="David" panose="020E0502060401010101" pitchFamily="34" charset="-79"/>
+                <a:cs typeface="David" panose="020E0502060401010101" pitchFamily="34" charset="-79"/>
+              </a:rPr>
+              <a:t>בייביסיטריות</a:t>
+            </a:r>
+            <a:r>
+              <a:rPr lang="he-IL" sz="2100" dirty="0" smtClean="0">
+                <a:solidFill>
+                  <a:schemeClr val="tx1"/>
+                </a:solidFill>
+                <a:latin typeface="David" panose="020E0502060401010101" pitchFamily="34" charset="-79"/>
+                <a:cs typeface="David" panose="020E0502060401010101" pitchFamily="34" charset="-79"/>
+              </a:rPr>
+              <a:t> מחפשים. איסוף המידע על ההורים </a:t>
+            </a:r>
+            <a:r>
+              <a:rPr lang="he-IL" sz="2100" dirty="0" err="1" smtClean="0">
+                <a:solidFill>
+                  <a:schemeClr val="tx1"/>
+                </a:solidFill>
+                <a:latin typeface="David" panose="020E0502060401010101" pitchFamily="34" charset="-79"/>
+                <a:cs typeface="David" panose="020E0502060401010101" pitchFamily="34" charset="-79"/>
+              </a:rPr>
+              <a:t>והבייביסיטריות</a:t>
+            </a:r>
+            <a:r>
+              <a:rPr lang="he-IL" sz="2100" dirty="0" smtClean="0">
+                <a:solidFill>
+                  <a:schemeClr val="tx1"/>
+                </a:solidFill>
+                <a:latin typeface="David" panose="020E0502060401010101" pitchFamily="34" charset="-79"/>
+                <a:cs typeface="David" panose="020E0502060401010101" pitchFamily="34" charset="-79"/>
+              </a:rPr>
+              <a:t> מאפשר מתן המלצות על </a:t>
+            </a:r>
+            <a:r>
+              <a:rPr lang="he-IL" sz="2100" dirty="0" err="1" smtClean="0">
+                <a:solidFill>
+                  <a:schemeClr val="tx1"/>
+                </a:solidFill>
+                <a:latin typeface="David" panose="020E0502060401010101" pitchFamily="34" charset="-79"/>
+                <a:cs typeface="David" panose="020E0502060401010101" pitchFamily="34" charset="-79"/>
+              </a:rPr>
+              <a:t>הבייסיטריות</a:t>
+            </a:r>
+            <a:r>
+              <a:rPr lang="he-IL" sz="2100" dirty="0" smtClean="0">
+                <a:solidFill>
+                  <a:schemeClr val="tx1"/>
+                </a:solidFill>
+                <a:latin typeface="David" panose="020E0502060401010101" pitchFamily="34" charset="-79"/>
+                <a:cs typeface="David" panose="020E0502060401010101" pitchFamily="34" charset="-79"/>
+              </a:rPr>
+              <a:t> הפופולריות והטובות ביותר.</a:t>
+            </a:r>
+            <a:endParaRPr lang="he-IL" sz="2100" dirty="0">
+              <a:solidFill>
+                <a:schemeClr val="tx1"/>
+              </a:solidFill>
+              <a:latin typeface="David" panose="020E0502060401010101" pitchFamily="34" charset="-79"/>
+              <a:cs typeface="David" panose="020E0502060401010101" pitchFamily="34" charset="-79"/>
+            </a:endParaRPr>
+          </a:p>
+          <a:p>
+            <a:pPr marL="457200" indent="-457200">
+              <a:lnSpc>
+                <a:spcPct val="150000"/>
+              </a:lnSpc>
+              <a:buFont typeface="+mj-lt"/>
+              <a:buAutoNum type="arabicPeriod" startAt="2"/>
+            </a:pPr>
+            <a:r>
+              <a:rPr lang="he-IL" sz="2400" b="1" i="1" dirty="0" smtClean="0">
+                <a:solidFill>
+                  <a:schemeClr val="tx1"/>
+                </a:solidFill>
+                <a:latin typeface="David" panose="020E0502060401010101" pitchFamily="34" charset="-79"/>
+                <a:cs typeface="David" panose="020E0502060401010101" pitchFamily="34" charset="-79"/>
+              </a:rPr>
+              <a:t>התשלום כיום בשוק מתבצע במזומן</a:t>
+            </a:r>
+          </a:p>
+          <a:p>
+            <a:pPr marL="475488" lvl="2" indent="0">
+              <a:lnSpc>
+                <a:spcPct val="150000"/>
+              </a:lnSpc>
+              <a:buNone/>
+            </a:pPr>
+            <a:r>
+              <a:rPr lang="he-IL" sz="2100" dirty="0" smtClean="0">
+                <a:solidFill>
+                  <a:schemeClr val="tx1"/>
+                </a:solidFill>
+                <a:latin typeface="David" panose="020E0502060401010101" pitchFamily="34" charset="-79"/>
+                <a:cs typeface="David" panose="020E0502060401010101" pitchFamily="34" charset="-79"/>
+              </a:rPr>
+              <a:t>באתר התשלום ממוחשב, מבוקר, פשוט ומאובטח. </a:t>
+            </a:r>
+            <a:r>
+              <a:rPr lang="he-IL" sz="2100" dirty="0" smtClean="0">
+                <a:solidFill>
+                  <a:schemeClr val="tx1"/>
+                </a:solidFill>
+                <a:latin typeface="David" panose="020E0502060401010101" pitchFamily="34" charset="-79"/>
+                <a:cs typeface="David" panose="020E0502060401010101" pitchFamily="34" charset="-79"/>
+              </a:rPr>
+              <a:t>הדבר מהווה פריצת דרך, עם מתן אפשרויות גביית דמי תיווך ואיסוף נתונים על המשתמשים שיתועלו לרווח עתידי.</a:t>
+            </a:r>
+            <a:endParaRPr lang="he-IL" sz="2100" dirty="0" smtClean="0">
+              <a:solidFill>
+                <a:schemeClr val="tx1"/>
+              </a:solidFill>
+              <a:latin typeface="David" panose="020E0502060401010101" pitchFamily="34" charset="-79"/>
+              <a:cs typeface="David" panose="020E0502060401010101" pitchFamily="34" charset="-79"/>
+            </a:endParaRPr>
+          </a:p>
+          <a:p>
+            <a:pPr marL="457200" indent="-457200">
+              <a:lnSpc>
+                <a:spcPct val="150000"/>
+              </a:lnSpc>
+              <a:buFont typeface="+mj-lt"/>
+              <a:buAutoNum type="arabicPeriod" startAt="2"/>
+            </a:pPr>
+            <a:r>
+              <a:rPr lang="he-IL" sz="2400" b="1" i="1" dirty="0" smtClean="0">
+                <a:solidFill>
+                  <a:schemeClr val="tx1"/>
+                </a:solidFill>
+                <a:latin typeface="David" panose="020E0502060401010101" pitchFamily="34" charset="-79"/>
+                <a:cs typeface="David" panose="020E0502060401010101" pitchFamily="34" charset="-79"/>
+              </a:rPr>
+              <a:t>השוק כיום חסר פשטות</a:t>
             </a:r>
             <a:r>
               <a:rPr lang="en-US" sz="2400" b="1" i="1" dirty="0" smtClean="0">
@@ -8819,140 +8992,7 @@
               </a:rPr>
             </a:br>
             <a:r>
-              <a:rPr lang="he-IL" sz="2400" dirty="0">
-                <a:solidFill>
-                  <a:schemeClr val="tx1"/>
-                </a:solidFill>
-                <a:latin typeface="David" panose="020E0502060401010101" pitchFamily="34" charset="-79"/>
-                <a:cs typeface="David" panose="020E0502060401010101" pitchFamily="34" charset="-79"/>
-              </a:rPr>
-              <a:t>כל המידע שהורים או בייביסיטרים מחפשים, נמצא  באתר אחד.</a:t>
-            </a:r>
-          </a:p>
-          <a:p>
-            <a:pPr marL="457200" indent="-457200">
-              <a:lnSpc>
-                <a:spcPct val="150000"/>
-              </a:lnSpc>
-              <a:buFont typeface="+mj-lt"/>
-              <a:buAutoNum type="arabicPeriod"/>
-            </a:pPr>
-            <a:r>
-              <a:rPr lang="he-IL" sz="2400" b="1" i="1" dirty="0" smtClean="0">
-                <a:solidFill>
-                  <a:schemeClr val="tx1"/>
-                </a:solidFill>
-                <a:latin typeface="David" panose="020E0502060401010101" pitchFamily="34" charset="-79"/>
-                <a:cs typeface="David" panose="020E0502060401010101" pitchFamily="34" charset="-79"/>
-              </a:rPr>
-              <a:t>התשלום מתבצעות במזומן:</a:t>
-            </a:r>
-            <a:r>
-              <a:rPr lang="en-US" sz="2400" b="1" i="1" dirty="0" smtClean="0">
-                <a:solidFill>
-                  <a:schemeClr val="tx1"/>
-                </a:solidFill>
-                <a:latin typeface="David" panose="020E0502060401010101" pitchFamily="34" charset="-79"/>
-                <a:cs typeface="David" panose="020E0502060401010101" pitchFamily="34" charset="-79"/>
-              </a:rPr>
-              <a:t/>
-            </a:r>
-            <a:br>
-              <a:rPr lang="en-US" sz="2400" b="1" i="1" dirty="0" smtClean="0">
-                <a:solidFill>
-                  <a:schemeClr val="tx1"/>
-                </a:solidFill>
-                <a:latin typeface="David" panose="020E0502060401010101" pitchFamily="34" charset="-79"/>
-                <a:cs typeface="David" panose="020E0502060401010101" pitchFamily="34" charset="-79"/>
-              </a:rPr>
-            </a:br>
-            <a:r>
-              <a:rPr lang="he-IL" sz="2400" dirty="0">
-                <a:solidFill>
-                  <a:schemeClr val="tx1"/>
-                </a:solidFill>
-                <a:latin typeface="David" panose="020E0502060401010101" pitchFamily="34" charset="-79"/>
-                <a:cs typeface="David" panose="020E0502060401010101" pitchFamily="34" charset="-79"/>
-              </a:rPr>
-              <a:t>תשלום ממוחשב, </a:t>
-            </a:r>
-            <a:r>
-              <a:rPr lang="he-IL" sz="2400">
-                <a:solidFill>
-                  <a:schemeClr val="tx1"/>
-                </a:solidFill>
-                <a:latin typeface="David" panose="020E0502060401010101" pitchFamily="34" charset="-79"/>
-                <a:cs typeface="David" panose="020E0502060401010101" pitchFamily="34" charset="-79"/>
-              </a:rPr>
-              <a:t>מבוקר </a:t>
-            </a:r>
-            <a:r>
-              <a:rPr lang="he-IL" sz="2400" smtClean="0">
-                <a:solidFill>
-                  <a:schemeClr val="tx1"/>
-                </a:solidFill>
-                <a:latin typeface="David" panose="020E0502060401010101" pitchFamily="34" charset="-79"/>
-                <a:cs typeface="David" panose="020E0502060401010101" pitchFamily="34" charset="-79"/>
-              </a:rPr>
-              <a:t>ופשוט.</a:t>
-            </a:r>
-            <a:endParaRPr lang="he-IL" sz="2400" dirty="0">
-              <a:solidFill>
-                <a:schemeClr val="tx1"/>
-              </a:solidFill>
-              <a:latin typeface="David" panose="020E0502060401010101" pitchFamily="34" charset="-79"/>
-              <a:cs typeface="David" panose="020E0502060401010101" pitchFamily="34" charset="-79"/>
-            </a:endParaRPr>
-          </a:p>
-          <a:p>
-            <a:pPr marL="457200" indent="-457200">
-              <a:lnSpc>
-                <a:spcPct val="150000"/>
-              </a:lnSpc>
-              <a:buFont typeface="+mj-lt"/>
-              <a:buAutoNum type="arabicPeriod"/>
-            </a:pPr>
-            <a:r>
-              <a:rPr lang="he-IL" sz="2400" b="1" i="1" dirty="0">
-                <a:solidFill>
-                  <a:schemeClr val="tx1"/>
-                </a:solidFill>
-                <a:latin typeface="David" panose="020E0502060401010101" pitchFamily="34" charset="-79"/>
-                <a:cs typeface="David" panose="020E0502060401010101" pitchFamily="34" charset="-79"/>
-              </a:rPr>
-              <a:t>חוסר פשטות אל מול </a:t>
-            </a:r>
-            <a:r>
-              <a:rPr lang="he-IL" sz="2400" b="1" i="1" dirty="0" smtClean="0">
-                <a:solidFill>
-                  <a:schemeClr val="tx1"/>
-                </a:solidFill>
-                <a:latin typeface="David" panose="020E0502060401010101" pitchFamily="34" charset="-79"/>
-                <a:cs typeface="David" panose="020E0502060401010101" pitchFamily="34" charset="-79"/>
-              </a:rPr>
-              <a:t>התאמה</a:t>
-            </a:r>
-            <a:r>
-              <a:rPr lang="en-US" sz="2400" b="1" i="1" dirty="0" smtClean="0">
-                <a:solidFill>
-                  <a:schemeClr val="tx1"/>
-                </a:solidFill>
-                <a:latin typeface="David" panose="020E0502060401010101" pitchFamily="34" charset="-79"/>
-                <a:cs typeface="David" panose="020E0502060401010101" pitchFamily="34" charset="-79"/>
-              </a:rPr>
-              <a:t/>
-            </a:r>
-            <a:br>
-              <a:rPr lang="en-US" sz="2400" b="1" i="1" dirty="0" smtClean="0">
-                <a:solidFill>
-                  <a:schemeClr val="tx1"/>
-                </a:solidFill>
-                <a:latin typeface="David" panose="020E0502060401010101" pitchFamily="34" charset="-79"/>
-                <a:cs typeface="David" panose="020E0502060401010101" pitchFamily="34" charset="-79"/>
-              </a:rPr>
-            </a:br>
-            <a:r>
-              <a:rPr lang="he-IL" sz="2400" dirty="0">
+              <a:rPr lang="he-IL" sz="2100" dirty="0">
                 <a:solidFill>
                   <a:schemeClr val="tx1"/>
                 </a:solidFill>
@@ -8962,16 +9002,46 @@
               <a:t>האתר פשוט וקל </a:t>
             </a:r>
             <a:r>
-              <a:rPr lang="he-IL" sz="2400" dirty="0" smtClean="0">
+              <a:rPr lang="he-IL" sz="2100" dirty="0" smtClean="0">
                 <a:solidFill>
                   <a:schemeClr val="tx1"/>
                 </a:solidFill>
                 <a:latin typeface="David" panose="020E0502060401010101" pitchFamily="34" charset="-79"/>
                 <a:cs typeface="David" panose="020E0502060401010101" pitchFamily="34" charset="-79"/>
               </a:rPr>
-              <a:t>לתפעול,  ומותאם לכל האוכלוסייה.</a:t>
-            </a:r>
-            <a:endParaRPr lang="he-IL" sz="2400" b="1" i="1" dirty="0">
+              <a:t>לתפעול, </a:t>
+            </a:r>
+            <a:r>
+              <a:rPr lang="he-IL" sz="2100" dirty="0" smtClean="0">
+                <a:solidFill>
+                  <a:schemeClr val="tx1"/>
+                </a:solidFill>
+                <a:latin typeface="David" panose="020E0502060401010101" pitchFamily="34" charset="-79"/>
+                <a:cs typeface="David" panose="020E0502060401010101" pitchFamily="34" charset="-79"/>
+              </a:rPr>
+              <a:t>מותאם לכלל </a:t>
+            </a:r>
+            <a:r>
+              <a:rPr lang="he-IL" sz="2100" dirty="0" smtClean="0">
+                <a:solidFill>
+                  <a:schemeClr val="tx1"/>
+                </a:solidFill>
+                <a:latin typeface="David" panose="020E0502060401010101" pitchFamily="34" charset="-79"/>
+                <a:cs typeface="David" panose="020E0502060401010101" pitchFamily="34" charset="-79"/>
+              </a:rPr>
+              <a:t>האוכלוסייה</a:t>
+            </a:r>
+            <a:r>
+              <a:rPr lang="he-IL" sz="2100" dirty="0" smtClean="0">
+                <a:solidFill>
+                  <a:schemeClr val="tx1"/>
+                </a:solidFill>
+                <a:latin typeface="David" panose="020E0502060401010101" pitchFamily="34" charset="-79"/>
+                <a:cs typeface="David" panose="020E0502060401010101" pitchFamily="34" charset="-79"/>
+              </a:rPr>
+              <a:t>. חווית המשתמש מהנה וידידותית.</a:t>
+            </a:r>
+            <a:endParaRPr lang="he-IL" sz="2100" b="1" i="1" dirty="0">
               <a:solidFill>
                 <a:schemeClr val="tx1"/>
               </a:solidFill>
@@ -8986,16 +9056,6 @@
               </a:lnSpc>
               <a:buNone/>
             </a:pPr>
-            <a:r>
-              <a:rPr lang="he-IL" sz="2400" b="1" i="1" dirty="0" smtClean="0">
-                <a:solidFill>
-                  <a:schemeClr val="tx1"/>
-                </a:solidFill>
-                <a:latin typeface="David" panose="020E0502060401010101" pitchFamily="34" charset="-79"/>
-                <a:cs typeface="David" panose="020E0502060401010101" pitchFamily="34" charset="-79"/>
-              </a:rPr>
-              <a:t> </a:t>
-            </a:r>
             <a:endParaRPr lang="he-IL" sz="2400" b="1" i="1" dirty="0">
               <a:solidFill>
                 <a:schemeClr val="tx1"/>
